--- a/QAPYTH3/DG_09_Advanced_Collections.pptx
+++ b/QAPYTH3/DG_09_Advanced_Collections.pptx
@@ -33,22 +33,15 @@
   <p:notesSz cx="6645275" cy="9775825"/>
   <p:embeddedFontLst>
     <p:embeddedFont>
-      <p:font typeface="Calibri" panose="020F0502020204030204" pitchFamily="34" charset="0"/>
+      <p:font typeface="Montserrat" panose="00000500000000000000" pitchFamily="2" charset="0"/>
       <p:regular r:id="rId24"/>
       <p:bold r:id="rId25"/>
       <p:italic r:id="rId26"/>
       <p:boldItalic r:id="rId27"/>
     </p:embeddedFont>
-    <p:embeddedFont>
-      <p:font typeface="Montserrat" panose="00000500000000000000" pitchFamily="2" charset="0"/>
-      <p:regular r:id="rId28"/>
-      <p:bold r:id="rId29"/>
-      <p:italic r:id="rId30"/>
-      <p:boldItalic r:id="rId31"/>
-    </p:embeddedFont>
   </p:embeddedFontLst>
   <p:custDataLst>
-    <p:tags r:id="rId32"/>
+    <p:tags r:id="rId28"/>
   </p:custDataLst>
   <p:defaultTextStyle>
     <a:defPPr>
@@ -268,7 +261,7 @@
           <a:p>
             <a:fld id="{86D088FE-3E68-47FE-8BA4-634CD34BABBC}" type="datetimeFigureOut">
               <a:rPr lang="en-GB" smtClean="0"/>
-              <a:t>31/05/2023</a:t>
+              <a:t>01/02/2024</a:t>
             </a:fld>
             <a:endParaRPr lang="en-GB"/>
           </a:p>
@@ -438,7 +431,7 @@
             <a:fld id="{1D6B66C6-1E92-0F4E-A300-9D4ED1F0C23F}" type="datetimeFigureOut">
               <a:rPr lang="en-GB" smtClean="0"/>
               <a:pPr/>
-              <a:t>31/05/2023</a:t>
+              <a:t>01/02/2024</a:t>
             </a:fld>
             <a:endParaRPr lang="en-GB"/>
           </a:p>
@@ -841,14 +834,14 @@
           <a:ln/>
           <a:extLst>
             <a:ext uri="{909E8E84-426E-40dd-AFC4-6F175D3DCCD1}">
-              <a14:hiddenFill xmlns:a14="http://schemas.microsoft.com/office/drawing/2010/main" xmlns="">
+              <a14:hiddenFill xmlns="" xmlns:a14="http://schemas.microsoft.com/office/drawing/2010/main">
                 <a:solidFill>
                   <a:srgbClr val="FFFFFF"/>
                 </a:solidFill>
               </a14:hiddenFill>
             </a:ext>
             <a:ext uri="{91240B29-F687-4f45-9708-019B960494DF}">
-              <a14:hiddenLine xmlns:a14="http://schemas.microsoft.com/office/drawing/2010/main" xmlns="" w="9525">
+              <a14:hiddenLine xmlns="" xmlns:a14="http://schemas.microsoft.com/office/drawing/2010/main" w="9525">
                 <a:solidFill>
                   <a:srgbClr val="000000"/>
                 </a:solidFill>
@@ -964,14 +957,14 @@
           <a:ln/>
           <a:extLst>
             <a:ext uri="{909E8E84-426E-40dd-AFC4-6F175D3DCCD1}">
-              <a14:hiddenFill xmlns:a14="http://schemas.microsoft.com/office/drawing/2010/main" xmlns="">
+              <a14:hiddenFill xmlns="" xmlns:a14="http://schemas.microsoft.com/office/drawing/2010/main">
                 <a:solidFill>
                   <a:srgbClr val="FFFFFF"/>
                 </a:solidFill>
               </a14:hiddenFill>
             </a:ext>
             <a:ext uri="{91240B29-F687-4f45-9708-019B960494DF}">
-              <a14:hiddenLine xmlns:a14="http://schemas.microsoft.com/office/drawing/2010/main" xmlns="" w="9525">
+              <a14:hiddenLine xmlns="" xmlns:a14="http://schemas.microsoft.com/office/drawing/2010/main" w="9525">
                 <a:solidFill>
                   <a:srgbClr val="000000"/>
                 </a:solidFill>
@@ -1006,6 +999,9 @@
               <a:rPr lang="en-GB" dirty="0"/>
               <a:t> objects (by definition) can be altered, and that can have unexpected effects, as shown.</a:t>
             </a:r>
+          </a:p>
+          <a:p>
+            <a:endParaRPr lang="en-GB" dirty="0"/>
           </a:p>
           <a:p>
             <a:r>
@@ -1083,14 +1079,14 @@
           <a:ln/>
           <a:extLst>
             <a:ext uri="{909E8E84-426E-40dd-AFC4-6F175D3DCCD1}">
-              <a14:hiddenFill xmlns:a14="http://schemas.microsoft.com/office/drawing/2010/main" xmlns="">
+              <a14:hiddenFill xmlns="" xmlns:a14="http://schemas.microsoft.com/office/drawing/2010/main">
                 <a:solidFill>
                   <a:srgbClr val="FFFFFF"/>
                 </a:solidFill>
               </a14:hiddenFill>
             </a:ext>
             <a:ext uri="{91240B29-F687-4f45-9708-019B960494DF}">
-              <a14:hiddenLine xmlns:a14="http://schemas.microsoft.com/office/drawing/2010/main" xmlns="" w="9525">
+              <a14:hiddenLine xmlns="" xmlns:a14="http://schemas.microsoft.com/office/drawing/2010/main" w="9525">
                 <a:solidFill>
                   <a:srgbClr val="000000"/>
                 </a:solidFill>
@@ -1107,8 +1103,11 @@
           <a:p>
             <a:r>
               <a:rPr lang="en-GB" dirty="0"/>
-              <a:t>For a simple sequence, as we saw in the previous example, the solution is easy to implement: use a slice. The rather strange syntax of an empty slice means to take all the elements. A slice is always an independent copy of the original.</a:t>
-            </a:r>
+              <a:t>For a simple sequence, as we saw in the previous example, the solution is easy to implement - use a slice. The rather strange syntax of an empty slice means to take all the elements. A slice is always an independent copy of the original.</a:t>
+            </a:r>
+          </a:p>
+          <a:p>
+            <a:endParaRPr lang="en-GB" dirty="0"/>
           </a:p>
           <a:p>
             <a:r>
@@ -1229,14 +1228,14 @@
           <a:ln/>
           <a:extLst>
             <a:ext uri="{909E8E84-426E-40dd-AFC4-6F175D3DCCD1}">
-              <a14:hiddenFill xmlns:a14="http://schemas.microsoft.com/office/drawing/2010/main" xmlns="">
+              <a14:hiddenFill xmlns="" xmlns:a14="http://schemas.microsoft.com/office/drawing/2010/main">
                 <a:solidFill>
                   <a:srgbClr val="FFFFFF"/>
                 </a:solidFill>
               </a14:hiddenFill>
             </a:ext>
             <a:ext uri="{91240B29-F687-4f45-9708-019B960494DF}">
-              <a14:hiddenLine xmlns:a14="http://schemas.microsoft.com/office/drawing/2010/main" xmlns="" w="9525">
+              <a14:hiddenLine xmlns="" xmlns:a14="http://schemas.microsoft.com/office/drawing/2010/main" w="9525">
                 <a:solidFill>
                   <a:srgbClr val="000000"/>
                 </a:solidFill>
@@ -1430,14 +1429,14 @@
           <a:ln/>
           <a:extLst>
             <a:ext uri="{909E8E84-426E-40dd-AFC4-6F175D3DCCD1}">
-              <a14:hiddenFill xmlns:a14="http://schemas.microsoft.com/office/drawing/2010/main" xmlns="">
+              <a14:hiddenFill xmlns="" xmlns:a14="http://schemas.microsoft.com/office/drawing/2010/main">
                 <a:solidFill>
                   <a:srgbClr val="FFFFFF"/>
                 </a:solidFill>
               </a14:hiddenFill>
             </a:ext>
             <a:ext uri="{91240B29-F687-4f45-9708-019B960494DF}">
-              <a14:hiddenLine xmlns:a14="http://schemas.microsoft.com/office/drawing/2010/main" xmlns="" w="9525">
+              <a14:hiddenLine xmlns="" xmlns:a14="http://schemas.microsoft.com/office/drawing/2010/main" w="9525">
                 <a:solidFill>
                   <a:srgbClr val="000000"/>
                 </a:solidFill>
@@ -1590,14 +1589,14 @@
           <a:ln/>
           <a:extLst>
             <a:ext uri="{909E8E84-426E-40dd-AFC4-6F175D3DCCD1}">
-              <a14:hiddenFill xmlns:a14="http://schemas.microsoft.com/office/drawing/2010/main" xmlns="">
+              <a14:hiddenFill xmlns="" xmlns:a14="http://schemas.microsoft.com/office/drawing/2010/main">
                 <a:solidFill>
                   <a:srgbClr val="FFFFFF"/>
                 </a:solidFill>
               </a14:hiddenFill>
             </a:ext>
             <a:ext uri="{91240B29-F687-4f45-9708-019B960494DF}">
-              <a14:hiddenLine xmlns:a14="http://schemas.microsoft.com/office/drawing/2010/main" xmlns="" w="9525">
+              <a14:hiddenLine xmlns="" xmlns:a14="http://schemas.microsoft.com/office/drawing/2010/main" w="9525">
                 <a:solidFill>
                   <a:srgbClr val="000000"/>
                 </a:solidFill>
@@ -1978,14 +1977,14 @@
           <a:ln/>
           <a:extLst>
             <a:ext uri="{909E8E84-426E-40dd-AFC4-6F175D3DCCD1}">
-              <a14:hiddenFill xmlns:a14="http://schemas.microsoft.com/office/drawing/2010/main" xmlns="">
+              <a14:hiddenFill xmlns="" xmlns:a14="http://schemas.microsoft.com/office/drawing/2010/main">
                 <a:solidFill>
                   <a:srgbClr val="FFFFFF"/>
                 </a:solidFill>
               </a14:hiddenFill>
             </a:ext>
             <a:ext uri="{91240B29-F687-4f45-9708-019B960494DF}">
-              <a14:hiddenLine xmlns:a14="http://schemas.microsoft.com/office/drawing/2010/main" xmlns="" w="9525">
+              <a14:hiddenLine xmlns="" xmlns:a14="http://schemas.microsoft.com/office/drawing/2010/main" w="9525">
                 <a:solidFill>
                   <a:srgbClr val="000000"/>
                 </a:solidFill>
@@ -2194,14 +2193,14 @@
           <a:ln/>
           <a:extLst>
             <a:ext uri="{909E8E84-426E-40dd-AFC4-6F175D3DCCD1}">
-              <a14:hiddenFill xmlns:a14="http://schemas.microsoft.com/office/drawing/2010/main" xmlns="">
+              <a14:hiddenFill xmlns="" xmlns:a14="http://schemas.microsoft.com/office/drawing/2010/main">
                 <a:solidFill>
                   <a:srgbClr val="FFFFFF"/>
                 </a:solidFill>
               </a14:hiddenFill>
             </a:ext>
             <a:ext uri="{91240B29-F687-4f45-9708-019B960494DF}">
-              <a14:hiddenLine xmlns:a14="http://schemas.microsoft.com/office/drawing/2010/main" xmlns="" w="9525">
+              <a14:hiddenLine xmlns="" xmlns:a14="http://schemas.microsoft.com/office/drawing/2010/main" w="9525">
                 <a:solidFill>
                   <a:srgbClr val="000000"/>
                 </a:solidFill>
@@ -2452,14 +2451,14 @@
           <a:ln/>
           <a:extLst>
             <a:ext uri="{909E8E84-426E-40dd-AFC4-6F175D3DCCD1}">
-              <a14:hiddenFill xmlns:a14="http://schemas.microsoft.com/office/drawing/2010/main" xmlns="">
+              <a14:hiddenFill xmlns="" xmlns:a14="http://schemas.microsoft.com/office/drawing/2010/main">
                 <a:solidFill>
                   <a:srgbClr val="FFFFFF"/>
                 </a:solidFill>
               </a14:hiddenFill>
             </a:ext>
             <a:ext uri="{91240B29-F687-4f45-9708-019B960494DF}">
-              <a14:hiddenLine xmlns:a14="http://schemas.microsoft.com/office/drawing/2010/main" xmlns="" w="9525">
+              <a14:hiddenLine xmlns="" xmlns:a14="http://schemas.microsoft.com/office/drawing/2010/main" w="9525">
                 <a:solidFill>
                   <a:srgbClr val="000000"/>
                 </a:solidFill>
@@ -2788,14 +2787,14 @@
           <a:ln/>
           <a:extLst>
             <a:ext uri="{909E8E84-426E-40dd-AFC4-6F175D3DCCD1}">
-              <a14:hiddenFill xmlns:a14="http://schemas.microsoft.com/office/drawing/2010/main" xmlns="">
+              <a14:hiddenFill xmlns="" xmlns:a14="http://schemas.microsoft.com/office/drawing/2010/main">
                 <a:solidFill>
                   <a:srgbClr val="FFFFFF"/>
                 </a:solidFill>
               </a14:hiddenFill>
             </a:ext>
             <a:ext uri="{91240B29-F687-4f45-9708-019B960494DF}">
-              <a14:hiddenLine xmlns:a14="http://schemas.microsoft.com/office/drawing/2010/main" xmlns="" w="9525">
+              <a14:hiddenLine xmlns="" xmlns:a14="http://schemas.microsoft.com/office/drawing/2010/main" w="9525">
                 <a:solidFill>
                   <a:srgbClr val="000000"/>
                 </a:solidFill>
@@ -2882,14 +2881,14 @@
           <a:ln/>
           <a:extLst>
             <a:ext uri="{909E8E84-426E-40dd-AFC4-6F175D3DCCD1}">
-              <a14:hiddenFill xmlns="" xmlns:a14="http://schemas.microsoft.com/office/drawing/2010/main">
+              <a14:hiddenFill xmlns:a14="http://schemas.microsoft.com/office/drawing/2010/main" xmlns="">
                 <a:solidFill>
                   <a:srgbClr val="FFFFFF"/>
                 </a:solidFill>
               </a14:hiddenFill>
             </a:ext>
             <a:ext uri="{91240B29-F687-4f45-9708-019B960494DF}">
-              <a14:hiddenLine xmlns="" xmlns:a14="http://schemas.microsoft.com/office/drawing/2010/main" w="9525">
+              <a14:hiddenLine xmlns:a14="http://schemas.microsoft.com/office/drawing/2010/main" xmlns="" w="9525">
                 <a:solidFill>
                   <a:srgbClr val="000000"/>
                 </a:solidFill>
@@ -2967,14 +2966,14 @@
           <a:ln/>
           <a:extLst>
             <a:ext uri="{909E8E84-426E-40dd-AFC4-6F175D3DCCD1}">
-              <a14:hiddenFill xmlns:a14="http://schemas.microsoft.com/office/drawing/2010/main" xmlns="">
+              <a14:hiddenFill xmlns="" xmlns:a14="http://schemas.microsoft.com/office/drawing/2010/main">
                 <a:solidFill>
                   <a:srgbClr val="FFFFFF"/>
                 </a:solidFill>
               </a14:hiddenFill>
             </a:ext>
             <a:ext uri="{91240B29-F687-4f45-9708-019B960494DF}">
-              <a14:hiddenLine xmlns:a14="http://schemas.microsoft.com/office/drawing/2010/main" xmlns="" w="9525">
+              <a14:hiddenLine xmlns="" xmlns:a14="http://schemas.microsoft.com/office/drawing/2010/main" w="9525">
                 <a:solidFill>
                   <a:srgbClr val="000000"/>
                 </a:solidFill>
@@ -3052,14 +3051,14 @@
           <a:ln/>
           <a:extLst>
             <a:ext uri="{909E8E84-426E-40dd-AFC4-6F175D3DCCD1}">
-              <a14:hiddenFill xmlns:a14="http://schemas.microsoft.com/office/drawing/2010/main" xmlns="">
+              <a14:hiddenFill xmlns="" xmlns:a14="http://schemas.microsoft.com/office/drawing/2010/main">
                 <a:solidFill>
                   <a:srgbClr val="FFFFFF"/>
                 </a:solidFill>
               </a14:hiddenFill>
             </a:ext>
             <a:ext uri="{91240B29-F687-4f45-9708-019B960494DF}">
-              <a14:hiddenLine xmlns:a14="http://schemas.microsoft.com/office/drawing/2010/main" xmlns="" w="9525">
+              <a14:hiddenLine xmlns="" xmlns:a14="http://schemas.microsoft.com/office/drawing/2010/main" w="9525">
                 <a:solidFill>
                   <a:srgbClr val="000000"/>
                 </a:solidFill>
@@ -27980,10 +27979,6 @@
           <a:bodyPr/>
           <a:lstStyle/>
           <a:p>
-            <a:pPr marL="342900" indent="-342900">
-              <a:buFont typeface="Arial" panose="020B0604020202020204" pitchFamily="34" charset="0"/>
-              <a:buChar char="•"/>
-            </a:pPr>
             <a:r>
               <a:rPr lang="en-GB" b="1" dirty="0"/>
               <a:t>A list comprehension may be used instead of </a:t>
@@ -27997,46 +27992,46 @@
             <a:endParaRPr lang="en-GB" b="1" dirty="0"/>
           </a:p>
           <a:p>
-            <a:pPr lvl="1">
+            <a:pPr marL="450850" lvl="1" indent="-269875">
               <a:buFont typeface="Arial" panose="020B0604020202020204" pitchFamily="34" charset="0"/>
               <a:buChar char="•"/>
             </a:pPr>
             <a:r>
-              <a:rPr lang="en-GB" dirty="0"/>
+              <a:rPr lang="en-GB" sz="1800" dirty="0"/>
               <a:t>Sometimes - this does not support </a:t>
             </a:r>
             <a:r>
-              <a:rPr lang="en-GB" dirty="0">
+              <a:rPr lang="en-GB" sz="1800" dirty="0">
                 <a:latin typeface="Courier New" panose="02070309020205020404" pitchFamily="49" charset="0"/>
               </a:rPr>
               <a:t>send</a:t>
             </a:r>
             <a:r>
-              <a:rPr lang="en-GB" dirty="0"/>
+              <a:rPr lang="en-GB" sz="1800" dirty="0"/>
               <a:t>ing values</a:t>
             </a:r>
           </a:p>
           <a:p>
-            <a:pPr lvl="1">
+            <a:pPr marL="450850" lvl="1" indent="-269875">
               <a:buFont typeface="Arial" panose="020B0604020202020204" pitchFamily="34" charset="0"/>
               <a:buChar char="•"/>
             </a:pPr>
             <a:r>
-              <a:rPr lang="en-GB" dirty="0"/>
+              <a:rPr lang="en-GB" sz="1800" dirty="0"/>
               <a:t>Enclose the comprehension in </a:t>
             </a:r>
             <a:r>
-              <a:rPr lang="en-GB" dirty="0">
+              <a:rPr lang="en-GB" sz="1800" dirty="0">
                 <a:latin typeface="Courier New" panose="02070309020205020404" pitchFamily="49" charset="0"/>
               </a:rPr>
               <a:t>()</a:t>
             </a:r>
             <a:r>
-              <a:rPr lang="en-GB" dirty="0"/>
+              <a:rPr lang="en-GB" sz="1800" dirty="0"/>
               <a:t> instead of </a:t>
             </a:r>
             <a:r>
-              <a:rPr lang="en-GB" dirty="0">
+              <a:rPr lang="en-GB" sz="1800" dirty="0">
                 <a:latin typeface="Courier New" panose="02070309020205020404" pitchFamily="49" charset="0"/>
               </a:rPr>
               <a:t>[]</a:t>
@@ -28063,17 +28058,17 @@
             <a:endParaRPr lang="en-GB" dirty="0"/>
           </a:p>
           <a:p>
-            <a:pPr lvl="1">
+            <a:pPr marL="450850" lvl="1" indent="-269875">
               <a:buFont typeface="Arial" panose="020B0604020202020204" pitchFamily="34" charset="0"/>
               <a:buChar char="•"/>
             </a:pPr>
             <a:r>
-              <a:rPr lang="en-GB" dirty="0"/>
+              <a:rPr lang="en-GB" sz="1800" dirty="0"/>
               <a:t>Rewritten as a list comprehension:</a:t>
             </a:r>
           </a:p>
           <a:p>
-            <a:pPr lvl="2">
+            <a:pPr marL="450850" lvl="2" indent="-269875">
               <a:buFont typeface="Arial" panose="020B0604020202020204" pitchFamily="34" charset="0"/>
               <a:buChar char="•"/>
             </a:pPr>
@@ -28094,7 +28089,7 @@
         </p:nvSpPr>
         <p:spPr bwMode="auto">
           <a:xfrm>
-            <a:off x="1785938" y="2508726"/>
+            <a:off x="797561" y="2476056"/>
             <a:ext cx="6475412" cy="1474787"/>
           </a:xfrm>
           <a:prstGeom prst="rect">
@@ -28114,6 +28109,13 @@
             <a:headEnd/>
             <a:tailEnd/>
           </a:ln>
+          <a:effectLst>
+            <a:outerShdw blurRad="50800" dist="38100" dir="2700000" algn="tl" rotWithShape="0">
+              <a:prstClr val="black">
+                <a:alpha val="40000"/>
+              </a:prstClr>
+            </a:outerShdw>
+          </a:effectLst>
         </p:spPr>
         <p:txBody>
           <a:bodyPr>
@@ -28360,7 +28362,7 @@
         </p:nvSpPr>
         <p:spPr bwMode="auto">
           <a:xfrm>
-            <a:off x="1785938" y="5106247"/>
+            <a:off x="797561" y="4798757"/>
             <a:ext cx="6554788" cy="1474787"/>
           </a:xfrm>
           <a:prstGeom prst="rect">
@@ -28380,6 +28382,13 @@
             <a:headEnd/>
             <a:tailEnd/>
           </a:ln>
+          <a:effectLst>
+            <a:outerShdw blurRad="50800" dist="38100" dir="2700000" algn="tl" rotWithShape="0">
+              <a:prstClr val="black">
+                <a:alpha val="40000"/>
+              </a:prstClr>
+            </a:outerShdw>
+          </a:effectLst>
         </p:spPr>
         <p:txBody>
           <a:bodyPr>
@@ -28659,7 +28668,7 @@
         </p:nvSpPr>
         <p:spPr bwMode="auto">
           <a:xfrm>
-            <a:off x="7272973" y="3644550"/>
+            <a:off x="6256973" y="3644550"/>
             <a:ext cx="547687" cy="1460500"/>
           </a:xfrm>
           <a:prstGeom prst="downArrow">
@@ -28679,6 +28688,13 @@
             <a:headEnd/>
             <a:tailEnd/>
           </a:ln>
+          <a:effectLst>
+            <a:outerShdw blurRad="50800" dist="38100" dir="2700000" algn="tl" rotWithShape="0">
+              <a:prstClr val="black">
+                <a:alpha val="40000"/>
+              </a:prstClr>
+            </a:outerShdw>
+          </a:effectLst>
         </p:spPr>
         <p:txBody>
           <a:bodyPr wrap="none" anchor="ctr">
@@ -28737,7 +28753,7 @@
           <a:p>
             <a:pPr eaLnBrk="1" hangingPunct="1"/>
             <a:r>
-              <a:rPr lang="en-GB"/>
+              <a:rPr lang="en-GB" dirty="0"/>
               <a:t>Copying collections - problem</a:t>
             </a:r>
           </a:p>
@@ -28753,7 +28769,12 @@
             <p:ph idx="1"/>
           </p:nvPr>
         </p:nvSpPr>
-        <p:spPr/>
+        <p:spPr>
+          <a:xfrm>
+            <a:off x="341272" y="1368256"/>
+            <a:ext cx="11516239" cy="2492546"/>
+          </a:xfrm>
+        </p:spPr>
         <p:txBody>
           <a:bodyPr/>
           <a:lstStyle/>
@@ -28769,8 +28790,39 @@
               <a:buChar char="•"/>
             </a:pPr>
             <a:r>
-              <a:rPr lang="en-GB" dirty="0"/>
+              <a:rPr lang="en-GB" sz="1800" dirty="0"/>
               <a:t>Remember that Python objects are references</a:t>
+            </a:r>
+          </a:p>
+          <a:p>
+            <a:pPr lvl="1">
+              <a:buFont typeface="Arial" panose="020B0604020202020204" pitchFamily="34" charset="0"/>
+              <a:buChar char="•"/>
+            </a:pPr>
+            <a:endParaRPr lang="en-GB" dirty="0"/>
+          </a:p>
+          <a:p>
+            <a:pPr lvl="1">
+              <a:buFont typeface="Arial" panose="020B0604020202020204" pitchFamily="34" charset="0"/>
+              <a:buChar char="•"/>
+            </a:pPr>
+            <a:endParaRPr lang="en-GB" dirty="0"/>
+          </a:p>
+          <a:p>
+            <a:pPr lvl="1">
+              <a:buFont typeface="Arial" panose="020B0604020202020204" pitchFamily="34" charset="0"/>
+              <a:buChar char="•"/>
+            </a:pPr>
+            <a:endParaRPr lang="en-GB" dirty="0"/>
+          </a:p>
+          <a:p>
+            <a:pPr lvl="1">
+              <a:buFont typeface="Arial" panose="020B0604020202020204" pitchFamily="34" charset="0"/>
+              <a:buChar char="•"/>
+            </a:pPr>
+            <a:r>
+              <a:rPr lang="en-GB" sz="1800" dirty="0"/>
+              <a:t>Copy by reference</a:t>
             </a:r>
           </a:p>
           <a:p>
@@ -28788,7 +28840,7 @@
         </p:nvSpPr>
         <p:spPr bwMode="auto">
           <a:xfrm>
-            <a:off x="1694138" y="2527300"/>
+            <a:off x="730170" y="2210184"/>
             <a:ext cx="4992415" cy="369332"/>
           </a:xfrm>
           <a:prstGeom prst="rect">
@@ -28808,6 +28860,13 @@
             <a:headEnd/>
             <a:tailEnd/>
           </a:ln>
+          <a:effectLst>
+            <a:outerShdw blurRad="50800" dist="38100" dir="2700000" algn="tl" rotWithShape="0">
+              <a:prstClr val="black">
+                <a:alpha val="40000"/>
+              </a:prstClr>
+            </a:outerShdw>
+          </a:effectLst>
         </p:spPr>
         <p:txBody>
           <a:bodyPr wrap="square">
@@ -28934,7 +28993,7 @@
         </p:nvSpPr>
         <p:spPr bwMode="auto">
           <a:xfrm>
-            <a:off x="7211678" y="2444751"/>
+            <a:off x="6259700" y="2362202"/>
             <a:ext cx="184150" cy="244475"/>
           </a:xfrm>
           <a:prstGeom prst="rect">
@@ -28946,14 +29005,14 @@
           </a:ln>
           <a:extLst>
             <a:ext uri="{909E8E84-426E-40dd-AFC4-6F175D3DCCD1}">
-              <a14:hiddenFill xmlns:a14="http://schemas.microsoft.com/office/drawing/2010/main" xmlns="">
+              <a14:hiddenFill xmlns="" xmlns:a14="http://schemas.microsoft.com/office/drawing/2010/main">
                 <a:solidFill>
                   <a:srgbClr val="FFFFFF"/>
                 </a:solidFill>
               </a14:hiddenFill>
             </a:ext>
             <a:ext uri="{91240B29-F687-4f45-9708-019B960494DF}">
-              <a14:hiddenLine xmlns:a14="http://schemas.microsoft.com/office/drawing/2010/main" xmlns="" w="9525">
+              <a14:hiddenLine xmlns="" xmlns:a14="http://schemas.microsoft.com/office/drawing/2010/main" w="9525">
                 <a:solidFill>
                   <a:srgbClr val="000000"/>
                 </a:solidFill>
@@ -29081,11 +29140,18 @@
         </p:nvGrpSpPr>
         <p:grpSpPr bwMode="auto">
           <a:xfrm>
-            <a:off x="7086265" y="2524126"/>
+            <a:off x="6150162" y="2228852"/>
             <a:ext cx="3322638" cy="377825"/>
             <a:chOff x="3385" y="1568"/>
             <a:chExt cx="2093" cy="238"/>
           </a:xfrm>
+          <a:effectLst>
+            <a:outerShdw blurRad="50800" dist="38100" dir="2700000" algn="tl" rotWithShape="0">
+              <a:prstClr val="black">
+                <a:alpha val="40000"/>
+              </a:prstClr>
+            </a:outerShdw>
+          </a:effectLst>
         </p:grpSpPr>
         <p:sp>
           <p:nvSpPr>
@@ -29114,7 +29180,7 @@
             </a:ln>
             <a:extLst>
               <a:ext uri="{909E8E84-426E-40dd-AFC4-6F175D3DCCD1}">
-                <a14:hiddenFill xmlns:a14="http://schemas.microsoft.com/office/drawing/2010/main" xmlns="">
+                <a14:hiddenFill xmlns="" xmlns:a14="http://schemas.microsoft.com/office/drawing/2010/main">
                   <a:noFill/>
                 </a14:hiddenFill>
               </a:ext>
@@ -29238,11 +29304,18 @@
         </p:nvGrpSpPr>
         <p:grpSpPr bwMode="auto">
           <a:xfrm>
-            <a:off x="7125954" y="3432176"/>
+            <a:off x="6173976" y="3349627"/>
             <a:ext cx="3322637" cy="1001713"/>
             <a:chOff x="3403" y="2029"/>
             <a:chExt cx="2093" cy="631"/>
           </a:xfrm>
+          <a:effectLst>
+            <a:outerShdw blurRad="50800" dist="38100" dir="2700000" algn="tl" rotWithShape="0">
+              <a:prstClr val="black">
+                <a:alpha val="40000"/>
+              </a:prstClr>
+            </a:outerShdw>
+          </a:effectLst>
         </p:grpSpPr>
         <p:sp>
           <p:nvSpPr>
@@ -29271,7 +29344,7 @@
             </a:ln>
             <a:extLst>
               <a:ext uri="{909E8E84-426E-40dd-AFC4-6F175D3DCCD1}">
-                <a14:hiddenFill xmlns:a14="http://schemas.microsoft.com/office/drawing/2010/main" xmlns="">
+                <a14:hiddenFill xmlns="" xmlns:a14="http://schemas.microsoft.com/office/drawing/2010/main">
                   <a:noFill/>
                 </a14:hiddenFill>
               </a:ext>
@@ -29462,7 +29535,7 @@
             </a:ln>
             <a:extLst>
               <a:ext uri="{909E8E84-426E-40dd-AFC4-6F175D3DCCD1}">
-                <a14:hiddenFill xmlns:a14="http://schemas.microsoft.com/office/drawing/2010/main" xmlns="">
+                <a14:hiddenFill xmlns="" xmlns:a14="http://schemas.microsoft.com/office/drawing/2010/main">
                   <a:noFill/>
                 </a14:hiddenFill>
               </a:ext>
@@ -29487,7 +29560,7 @@
         </p:nvSpPr>
         <p:spPr bwMode="auto">
           <a:xfrm>
-            <a:off x="7102140" y="2217738"/>
+            <a:off x="6166037" y="1922464"/>
             <a:ext cx="947376" cy="305212"/>
           </a:xfrm>
           <a:prstGeom prst="rect">
@@ -29499,14 +29572,14 @@
           </a:ln>
           <a:extLst>
             <a:ext uri="{909E8E84-426E-40dd-AFC4-6F175D3DCCD1}">
-              <a14:hiddenFill xmlns:a14="http://schemas.microsoft.com/office/drawing/2010/main" xmlns="">
+              <a14:hiddenFill xmlns="" xmlns:a14="http://schemas.microsoft.com/office/drawing/2010/main">
                 <a:solidFill>
                   <a:srgbClr val="FFFFFF"/>
                 </a:solidFill>
               </a14:hiddenFill>
             </a:ext>
             <a:ext uri="{91240B29-F687-4f45-9708-019B960494DF}">
-              <a14:hiddenLine xmlns:a14="http://schemas.microsoft.com/office/drawing/2010/main" xmlns="" w="12700">
+              <a14:hiddenLine xmlns="" xmlns:a14="http://schemas.microsoft.com/office/drawing/2010/main" w="12700">
                 <a:solidFill>
                   <a:srgbClr val="000000"/>
                 </a:solidFill>
@@ -29529,7 +29602,7 @@
               </a:spcBef>
             </a:pPr>
             <a:r>
-              <a:rPr lang="en-US" sz="1400" b="1" i="1">
+              <a:rPr lang="en-US" sz="1400" b="1" i="1" dirty="0">
                 <a:solidFill>
                   <a:srgbClr val="000066"/>
                 </a:solidFill>
@@ -29549,11 +29622,18 @@
         </p:nvGrpSpPr>
         <p:grpSpPr bwMode="auto">
           <a:xfrm>
-            <a:off x="7152940" y="4913313"/>
+            <a:off x="6173976" y="4735687"/>
             <a:ext cx="3322638" cy="1001712"/>
             <a:chOff x="3403" y="2029"/>
             <a:chExt cx="2093" cy="631"/>
           </a:xfrm>
+          <a:effectLst>
+            <a:outerShdw blurRad="50800" dist="38100" dir="2700000" algn="tl" rotWithShape="0">
+              <a:prstClr val="black">
+                <a:alpha val="40000"/>
+              </a:prstClr>
+            </a:outerShdw>
+          </a:effectLst>
         </p:grpSpPr>
         <p:sp>
           <p:nvSpPr>
@@ -29582,7 +29662,7 @@
             </a:ln>
             <a:extLst>
               <a:ext uri="{909E8E84-426E-40dd-AFC4-6F175D3DCCD1}">
-                <a14:hiddenFill xmlns:a14="http://schemas.microsoft.com/office/drawing/2010/main" xmlns="">
+                <a14:hiddenFill xmlns="" xmlns:a14="http://schemas.microsoft.com/office/drawing/2010/main">
                   <a:noFill/>
                 </a14:hiddenFill>
               </a:ext>
@@ -29773,7 +29853,7 @@
             </a:ln>
             <a:extLst>
               <a:ext uri="{909E8E84-426E-40dd-AFC4-6F175D3DCCD1}">
-                <a14:hiddenFill xmlns:a14="http://schemas.microsoft.com/office/drawing/2010/main" xmlns="">
+                <a14:hiddenFill xmlns="" xmlns:a14="http://schemas.microsoft.com/office/drawing/2010/main">
                   <a:noFill/>
                 </a14:hiddenFill>
               </a:ext>
@@ -29798,7 +29878,7 @@
         </p:nvSpPr>
         <p:spPr bwMode="auto">
           <a:xfrm>
-            <a:off x="2017987" y="3740150"/>
+            <a:off x="742160" y="3657601"/>
             <a:ext cx="4635062" cy="376238"/>
           </a:xfrm>
           <a:prstGeom prst="rect">
@@ -29818,6 +29898,13 @@
             <a:headEnd/>
             <a:tailEnd/>
           </a:ln>
+          <a:effectLst>
+            <a:outerShdw blurRad="50800" dist="38100" dir="2700000" algn="tl" rotWithShape="0">
+              <a:prstClr val="black">
+                <a:alpha val="40000"/>
+              </a:prstClr>
+            </a:outerShdw>
+          </a:effectLst>
         </p:spPr>
         <p:txBody>
           <a:bodyPr wrap="square">
@@ -29941,7 +30028,7 @@
         </p:nvSpPr>
         <p:spPr bwMode="auto">
           <a:xfrm>
-            <a:off x="2017986" y="5070475"/>
+            <a:off x="742160" y="4749801"/>
             <a:ext cx="4687614" cy="706438"/>
           </a:xfrm>
           <a:prstGeom prst="rect">
@@ -29961,6 +30048,13 @@
             <a:headEnd/>
             <a:tailEnd/>
           </a:ln>
+          <a:effectLst>
+            <a:outerShdw blurRad="50800" dist="38100" dir="2700000" algn="tl" rotWithShape="0">
+              <a:prstClr val="black">
+                <a:alpha val="40000"/>
+              </a:prstClr>
+            </a:outerShdw>
+          </a:effectLst>
         </p:spPr>
         <p:txBody>
           <a:bodyPr wrap="square">
@@ -30102,7 +30196,7 @@
         </p:nvSpPr>
         <p:spPr bwMode="auto">
           <a:xfrm>
-            <a:off x="2779714" y="5829300"/>
+            <a:off x="1522935" y="5520592"/>
             <a:ext cx="3906839" cy="369332"/>
           </a:xfrm>
           <a:prstGeom prst="rect">
@@ -30119,6 +30213,13 @@
             <a:headEnd/>
             <a:tailEnd/>
           </a:ln>
+          <a:effectLst>
+            <a:outerShdw blurRad="50800" dist="38100" dir="2700000" algn="tl" rotWithShape="0">
+              <a:prstClr val="black">
+                <a:alpha val="40000"/>
+              </a:prstClr>
+            </a:outerShdw>
+          </a:effectLst>
         </p:spPr>
         <p:txBody>
           <a:bodyPr wrap="none">
@@ -30234,7 +30335,7 @@
       </p:sp>
       <p:sp>
         <p:nvSpPr>
-          <p:cNvPr id="13325" name="Rectangle 30"/>
+          <p:cNvPr id="13326" name="Rectangle 31"/>
           <p:cNvSpPr>
             <a:spLocks noChangeArrowheads="1"/>
           </p:cNvSpPr>
@@ -30242,8 +30343,8 @@
         </p:nvSpPr>
         <p:spPr bwMode="auto">
           <a:xfrm>
-            <a:off x="2111376" y="3395663"/>
-            <a:ext cx="1582165" cy="305212"/>
+            <a:off x="615325" y="4416240"/>
+            <a:ext cx="809518" cy="305212"/>
           </a:xfrm>
           <a:prstGeom prst="rect">
             <a:avLst/>
@@ -30254,14 +30355,14 @@
           </a:ln>
           <a:extLst>
             <a:ext uri="{909E8E84-426E-40dd-AFC4-6F175D3DCCD1}">
-              <a14:hiddenFill xmlns:a14="http://schemas.microsoft.com/office/drawing/2010/main" xmlns="">
+              <a14:hiddenFill xmlns="" xmlns:a14="http://schemas.microsoft.com/office/drawing/2010/main">
                 <a:solidFill>
                   <a:srgbClr val="FFFFFF"/>
                 </a:solidFill>
               </a14:hiddenFill>
             </a:ext>
             <a:ext uri="{91240B29-F687-4f45-9708-019B960494DF}">
-              <a14:hiddenLine xmlns:a14="http://schemas.microsoft.com/office/drawing/2010/main" xmlns="" w="12700">
+              <a14:hiddenLine xmlns="" xmlns:a14="http://schemas.microsoft.com/office/drawing/2010/main" w="12700">
                 <a:solidFill>
                   <a:srgbClr val="000000"/>
                 </a:solidFill>
@@ -30284,19 +30385,25 @@
               </a:spcBef>
             </a:pPr>
             <a:r>
-              <a:rPr lang="en-US" sz="1400" b="1" i="1">
+              <a:rPr lang="en-US" sz="1400" b="1" i="1" dirty="0">
                 <a:solidFill>
                   <a:srgbClr val="000066"/>
                 </a:solidFill>
               </a:rPr>
-              <a:t>Shallow copy...</a:t>
+              <a:t>Oops...</a:t>
             </a:r>
           </a:p>
         </p:txBody>
       </p:sp>
       <p:sp>
         <p:nvSpPr>
-          <p:cNvPr id="13326" name="Rectangle 31"/>
+          <p:cNvPr id="2" name="Rectangle 20">
+            <a:extLst>
+              <a:ext uri="{FF2B5EF4-FFF2-40B4-BE49-F238E27FC236}">
+                <a16:creationId xmlns:a16="http://schemas.microsoft.com/office/drawing/2014/main" id="{A7E21D1B-AE5A-C5F3-2DF7-3F9A90DF426D}"/>
+              </a:ext>
+            </a:extLst>
+          </p:cNvPr>
           <p:cNvSpPr>
             <a:spLocks noChangeArrowheads="1"/>
           </p:cNvSpPr>
@@ -30304,8 +30411,8 @@
         </p:nvSpPr>
         <p:spPr bwMode="auto">
           <a:xfrm>
-            <a:off x="2185988" y="4713288"/>
-            <a:ext cx="809518" cy="305212"/>
+            <a:off x="6173976" y="4458376"/>
+            <a:ext cx="796694" cy="305212"/>
           </a:xfrm>
           <a:prstGeom prst="rect">
             <a:avLst/>
@@ -30316,14 +30423,14 @@
           </a:ln>
           <a:extLst>
             <a:ext uri="{909E8E84-426E-40dd-AFC4-6F175D3DCCD1}">
-              <a14:hiddenFill xmlns:a14="http://schemas.microsoft.com/office/drawing/2010/main" xmlns="">
+              <a14:hiddenFill xmlns="" xmlns:a14="http://schemas.microsoft.com/office/drawing/2010/main">
                 <a:solidFill>
                   <a:srgbClr val="FFFFFF"/>
                 </a:solidFill>
               </a14:hiddenFill>
             </a:ext>
             <a:ext uri="{91240B29-F687-4f45-9708-019B960494DF}">
-              <a14:hiddenLine xmlns:a14="http://schemas.microsoft.com/office/drawing/2010/main" xmlns="" w="12700">
+              <a14:hiddenLine xmlns="" xmlns:a14="http://schemas.microsoft.com/office/drawing/2010/main" w="12700">
                 <a:solidFill>
                   <a:srgbClr val="000000"/>
                 </a:solidFill>
@@ -30346,12 +30453,12 @@
               </a:spcBef>
             </a:pPr>
             <a:r>
-              <a:rPr lang="en-US" sz="1400" b="1" i="1">
+              <a:rPr lang="en-US" sz="1400" b="1" i="1" dirty="0">
                 <a:solidFill>
                   <a:srgbClr val="000066"/>
                 </a:solidFill>
               </a:rPr>
-              <a:t>Oops...</a:t>
+              <a:t>After…</a:t>
             </a:r>
           </a:p>
         </p:txBody>
@@ -30386,36 +30493,6 @@
           <a:chExt cx="0" cy="0"/>
         </a:xfrm>
       </p:grpSpPr>
-      <p:pic>
-        <p:nvPicPr>
-          <p:cNvPr id="14338" name="Picture 10" descr="Grumpy"/>
-          <p:cNvPicPr>
-            <a:picLocks noGrp="1" noChangeAspect="1" noChangeArrowheads="1"/>
-          </p:cNvPicPr>
-          <p:nvPr>
-            <p:ph idx="1"/>
-          </p:nvPr>
-        </p:nvPicPr>
-        <p:blipFill>
-          <a:blip r:embed="rId3" cstate="email">
-            <a:extLst>
-              <a:ext uri="{28A0092B-C50C-407E-A947-70E740481C1C}">
-                <a14:useLocalDpi xmlns:a14="http://schemas.microsoft.com/office/drawing/2010/main"/>
-              </a:ext>
-            </a:extLst>
-          </a:blip>
-          <a:stretch>
-            <a:fillRect/>
-          </a:stretch>
-        </p:blipFill>
-        <p:spPr>
-          <a:xfrm>
-            <a:off x="7457893" y="3794619"/>
-            <a:ext cx="1859463" cy="1704010"/>
-          </a:xfrm>
-          <a:noFill/>
-        </p:spPr>
-      </p:pic>
       <p:sp>
         <p:nvSpPr>
           <p:cNvPr id="14340" name="Rectangle 3"/>
@@ -30436,10 +30513,6 @@
           <a:bodyPr/>
           <a:lstStyle/>
           <a:p>
-            <a:pPr marL="342900" indent="-342900">
-              <a:buFont typeface="Arial" panose="020B0604020202020204" pitchFamily="34" charset="0"/>
-              <a:buChar char="•"/>
-            </a:pPr>
             <a:r>
               <a:rPr lang="en-GB" b="1" dirty="0"/>
               <a:t>For a sequence, take a slice</a:t>
@@ -30470,17 +30543,13 @@
             <a:endParaRPr lang="en-GB" dirty="0"/>
           </a:p>
           <a:p>
-            <a:pPr marL="342900" indent="-342900">
-              <a:buFont typeface="Arial" panose="020B0604020202020204" pitchFamily="34" charset="0"/>
-              <a:buChar char="•"/>
-            </a:pPr>
             <a:r>
               <a:rPr lang="en-GB" b="1" dirty="0"/>
               <a:t>We need a better solution for more complex structures</a:t>
             </a:r>
           </a:p>
           <a:p>
-            <a:pPr lvl="1">
+            <a:pPr marL="450850" lvl="1" indent="-276225">
               <a:buFont typeface="Arial" panose="020B0604020202020204" pitchFamily="34" charset="0"/>
               <a:buChar char="•"/>
             </a:pPr>
@@ -30524,7 +30593,7 @@
         </p:nvSpPr>
         <p:spPr bwMode="auto">
           <a:xfrm>
-            <a:off x="1061403" y="1788082"/>
+            <a:off x="886008" y="1792627"/>
             <a:ext cx="5698996" cy="1200329"/>
           </a:xfrm>
           <a:prstGeom prst="rect">
@@ -30544,6 +30613,13 @@
             <a:headEnd/>
             <a:tailEnd/>
           </a:ln>
+          <a:effectLst>
+            <a:outerShdw blurRad="50800" dist="38100" dir="2700000" algn="tl" rotWithShape="0">
+              <a:prstClr val="black">
+                <a:alpha val="40000"/>
+              </a:prstClr>
+            </a:outerShdw>
+          </a:effectLst>
         </p:spPr>
         <p:txBody>
           <a:bodyPr wrap="none">
@@ -30729,7 +30805,7 @@
         </p:nvSpPr>
         <p:spPr bwMode="auto">
           <a:xfrm>
-            <a:off x="4604352" y="2988411"/>
+            <a:off x="4445509" y="2988411"/>
             <a:ext cx="4871847" cy="646331"/>
           </a:xfrm>
           <a:prstGeom prst="rect">
@@ -30746,6 +30822,13 @@
             <a:headEnd/>
             <a:tailEnd/>
           </a:ln>
+          <a:effectLst>
+            <a:outerShdw blurRad="50800" dist="38100" dir="2700000" algn="tl" rotWithShape="0">
+              <a:prstClr val="black">
+                <a:alpha val="40000"/>
+              </a:prstClr>
+            </a:outerShdw>
+          </a:effectLst>
         </p:spPr>
         <p:txBody>
           <a:bodyPr wrap="none">
@@ -30887,7 +30970,7 @@
         </p:nvSpPr>
         <p:spPr bwMode="auto">
           <a:xfrm>
-            <a:off x="1048703" y="4806717"/>
+            <a:off x="886008" y="4786048"/>
             <a:ext cx="7696200" cy="1200329"/>
           </a:xfrm>
           <a:prstGeom prst="rect">
@@ -30907,6 +30990,13 @@
             <a:headEnd/>
             <a:tailEnd/>
           </a:ln>
+          <a:effectLst>
+            <a:outerShdw blurRad="50800" dist="38100" dir="2700000" algn="tl" rotWithShape="0">
+              <a:prstClr val="black">
+                <a:alpha val="40000"/>
+              </a:prstClr>
+            </a:outerShdw>
+          </a:effectLst>
         </p:spPr>
         <p:txBody>
           <a:bodyPr wrap="square">
@@ -31084,7 +31174,7 @@
         </p:nvSpPr>
         <p:spPr bwMode="auto">
           <a:xfrm>
-            <a:off x="1061403" y="6095758"/>
+            <a:off x="1633856" y="6015603"/>
             <a:ext cx="7683500" cy="646331"/>
           </a:xfrm>
           <a:prstGeom prst="rect">
@@ -31101,6 +31191,13 @@
             <a:headEnd/>
             <a:tailEnd/>
           </a:ln>
+          <a:effectLst>
+            <a:outerShdw blurRad="50800" dist="38100" dir="2700000" algn="tl" rotWithShape="0">
+              <a:prstClr val="black">
+                <a:alpha val="40000"/>
+              </a:prstClr>
+            </a:outerShdw>
+          </a:effectLst>
         </p:spPr>
         <p:txBody>
           <a:bodyPr wrap="square">
@@ -31229,6 +31326,61 @@
               </a:rPr>
               <a:t>lunch: ['knife', 'plate', ['Apple', 'Eggs', 'Orange']]</a:t>
             </a:r>
+          </a:p>
+        </p:txBody>
+      </p:sp>
+      <p:pic>
+        <p:nvPicPr>
+          <p:cNvPr id="3" name="Picture 2">
+            <a:extLst>
+              <a:ext uri="{FF2B5EF4-FFF2-40B4-BE49-F238E27FC236}">
+                <a16:creationId xmlns:a16="http://schemas.microsoft.com/office/drawing/2014/main" id="{76F5AB02-9E3C-CE03-9082-115EC3400DDC}"/>
+              </a:ext>
+            </a:extLst>
+          </p:cNvPr>
+          <p:cNvPicPr>
+            <a:picLocks noChangeAspect="1"/>
+          </p:cNvPicPr>
+          <p:nvPr/>
+        </p:nvPicPr>
+        <p:blipFill>
+          <a:blip r:embed="rId3"/>
+          <a:stretch>
+            <a:fillRect/>
+          </a:stretch>
+        </p:blipFill>
+        <p:spPr>
+          <a:xfrm>
+            <a:off x="9317356" y="5177287"/>
+            <a:ext cx="1284826" cy="1564586"/>
+          </a:xfrm>
+          <a:prstGeom prst="rect">
+            <a:avLst/>
+          </a:prstGeom>
+        </p:spPr>
+      </p:pic>
+      <p:sp>
+        <p:nvSpPr>
+          <p:cNvPr id="5" name="Content Placeholder 4">
+            <a:extLst>
+              <a:ext uri="{FF2B5EF4-FFF2-40B4-BE49-F238E27FC236}">
+                <a16:creationId xmlns:a16="http://schemas.microsoft.com/office/drawing/2014/main" id="{4361BBC6-52CE-50FE-3644-8DFE195E0F98}"/>
+              </a:ext>
+            </a:extLst>
+          </p:cNvPr>
+          <p:cNvSpPr>
+            <a:spLocks noGrp="1"/>
+          </p:cNvSpPr>
+          <p:nvPr>
+            <p:ph idx="1"/>
+          </p:nvPr>
+        </p:nvSpPr>
+        <p:spPr/>
+        <p:txBody>
+          <a:bodyPr/>
+          <a:lstStyle/>
+          <a:p>
+            <a:endParaRPr lang="en-GB" dirty="0"/>
           </a:p>
         </p:txBody>
       </p:sp>
@@ -31300,31 +31452,27 @@
           <a:bodyPr/>
           <a:lstStyle/>
           <a:p>
-            <a:pPr marL="342900" indent="-342900">
+            <a:r>
+              <a:rPr lang="en-GB" b="1" dirty="0"/>
+              <a:t>A better solution for more complex structures</a:t>
+            </a:r>
+          </a:p>
+          <a:p>
+            <a:pPr marL="450850" indent="-276225">
               <a:buFont typeface="Arial" panose="020B0604020202020204" pitchFamily="34" charset="0"/>
               <a:buChar char="•"/>
             </a:pPr>
             <a:r>
-              <a:rPr lang="en-GB" b="1" dirty="0"/>
-              <a:t>A better solution for more complex structures</a:t>
-            </a:r>
-          </a:p>
-          <a:p>
-            <a:pPr marL="342900" indent="-342900">
+              <a:rPr lang="en-GB" sz="1800" dirty="0"/>
+              <a:t>The copy module, distributed with Python</a:t>
+            </a:r>
+          </a:p>
+          <a:p>
+            <a:pPr marL="450850" lvl="1" indent="-276225">
               <a:buFont typeface="Arial" panose="020B0604020202020204" pitchFamily="34" charset="0"/>
               <a:buChar char="•"/>
             </a:pPr>
             <a:r>
-              <a:rPr lang="en-GB" b="1" dirty="0"/>
-              <a:t>The copy module, distributed with Python</a:t>
-            </a:r>
-          </a:p>
-          <a:p>
-            <a:pPr lvl="1">
-              <a:buFont typeface="Arial" panose="020B0604020202020204" pitchFamily="34" charset="0"/>
-              <a:buChar char="•"/>
-            </a:pPr>
-            <a:r>
               <a:rPr lang="en-GB" sz="1800" dirty="0"/>
               <a:t>Can do a shallow copy or a deep-copy</a:t>
             </a:r>
@@ -31362,10 +31510,6 @@
             <a:endParaRPr lang="en-GB" dirty="0"/>
           </a:p>
           <a:p>
-            <a:pPr marL="342900" indent="-342900">
-              <a:buFont typeface="Arial" panose="020B0604020202020204" pitchFamily="34" charset="0"/>
-              <a:buChar char="•"/>
-            </a:pPr>
             <a:r>
               <a:rPr lang="en-GB" b="1" dirty="0"/>
               <a:t>Beware!  "copy" usually means a shallow copy</a:t>
@@ -31383,7 +31527,7 @@
         </p:nvSpPr>
         <p:spPr bwMode="auto">
           <a:xfrm>
-            <a:off x="1016635" y="2713389"/>
+            <a:off x="816219" y="2517981"/>
             <a:ext cx="7774480" cy="1822037"/>
           </a:xfrm>
           <a:prstGeom prst="rect">
@@ -31403,6 +31547,13 @@
             <a:headEnd/>
             <a:tailEnd/>
           </a:ln>
+          <a:effectLst>
+            <a:outerShdw blurRad="50800" dist="38100" dir="2700000" algn="tl" rotWithShape="0">
+              <a:prstClr val="black">
+                <a:alpha val="40000"/>
+              </a:prstClr>
+            </a:outerShdw>
+          </a:effectLst>
         </p:spPr>
         <p:txBody>
           <a:bodyPr wrap="square">
@@ -31617,7 +31768,7 @@
         </p:nvSpPr>
         <p:spPr bwMode="auto">
           <a:xfrm>
-            <a:off x="1016635" y="4669037"/>
+            <a:off x="816219" y="4558813"/>
             <a:ext cx="7774480" cy="646331"/>
           </a:xfrm>
           <a:prstGeom prst="rect">
@@ -31634,6 +31785,13 @@
             <a:headEnd/>
             <a:tailEnd/>
           </a:ln>
+          <a:effectLst>
+            <a:outerShdw blurRad="50800" dist="38100" dir="2700000" algn="tl" rotWithShape="0">
+              <a:prstClr val="black">
+                <a:alpha val="40000"/>
+              </a:prstClr>
+            </a:outerShdw>
+          </a:effectLst>
         </p:spPr>
         <p:txBody>
           <a:bodyPr wrap="square">
@@ -31816,71 +31974,51 @@
           <a:bodyPr/>
           <a:lstStyle/>
           <a:p>
-            <a:pPr marL="342900" indent="-342900">
-              <a:buFont typeface="Arial" panose="020B0604020202020204" pitchFamily="34" charset="0"/>
-              <a:buChar char="•"/>
-            </a:pPr>
             <a:r>
               <a:rPr lang="en-GB" b="1" dirty="0"/>
               <a:t>filter() returns items that are true </a:t>
             </a:r>
           </a:p>
           <a:p>
-            <a:pPr lvl="1"/>
-            <a:r>
-              <a:rPr lang="en-GB" dirty="0"/>
+            <a:pPr marL="450850" lvl="1" indent="-276225"/>
+            <a:r>
+              <a:rPr lang="en-GB" sz="1800" dirty="0"/>
               <a:t>Maybe with the help of a lambda</a:t>
             </a:r>
           </a:p>
           <a:p>
-            <a:pPr marL="342900" indent="-342900">
-              <a:buFont typeface="Arial" panose="020B0604020202020204" pitchFamily="34" charset="0"/>
-              <a:buChar char="•"/>
-            </a:pPr>
             <a:r>
               <a:rPr lang="en-GB" b="1" dirty="0"/>
               <a:t>List comprehensions replace filter() and map()</a:t>
             </a:r>
           </a:p>
           <a:p>
-            <a:pPr lvl="1"/>
-            <a:r>
-              <a:rPr lang="en-GB" dirty="0"/>
+            <a:pPr marL="450850" lvl="1" indent="-276225"/>
+            <a:r>
+              <a:rPr lang="en-GB" sz="1800" dirty="0"/>
               <a:t>Possibly with the help of a lambda</a:t>
             </a:r>
           </a:p>
           <a:p>
-            <a:pPr marL="342900" indent="-342900">
-              <a:buFont typeface="Arial" panose="020B0604020202020204" pitchFamily="34" charset="0"/>
-              <a:buChar char="•"/>
-            </a:pPr>
             <a:r>
               <a:rPr lang="en-GB" b="1" dirty="0"/>
               <a:t>Generators yield values as they are needed</a:t>
             </a:r>
           </a:p>
           <a:p>
-            <a:pPr marL="342900" indent="-342900">
-              <a:buFont typeface="Arial" panose="020B0604020202020204" pitchFamily="34" charset="0"/>
-              <a:buChar char="•"/>
-            </a:pPr>
             <a:r>
               <a:rPr lang="en-GB" b="1" dirty="0"/>
               <a:t>Generators can replace list comprehensions</a:t>
             </a:r>
           </a:p>
           <a:p>
-            <a:pPr marL="342900" indent="-342900">
-              <a:buFont typeface="Arial" panose="020B0604020202020204" pitchFamily="34" charset="0"/>
-              <a:buChar char="•"/>
-            </a:pPr>
             <a:r>
               <a:rPr lang="en-GB" b="1" dirty="0"/>
               <a:t>Copying collections might not be a simple assignment</a:t>
             </a:r>
           </a:p>
           <a:p>
-            <a:pPr lvl="1"/>
+            <a:pPr marL="450850" lvl="1" indent="-276225"/>
             <a:r>
               <a:rPr lang="en-GB" dirty="0"/>
               <a:t>A deep copy might be required</a:t>
@@ -32079,34 +32217,34 @@
           <a:bodyPr/>
           <a:lstStyle/>
           <a:p>
-            <a:pPr marL="342900" indent="-342900">
+            <a:r>
+              <a:rPr lang="en-GB" b="1" dirty="0"/>
+              <a:t>A generator function returns a generator object</a:t>
+            </a:r>
+          </a:p>
+          <a:p>
+            <a:pPr marL="450850" lvl="1" indent="-187325">
               <a:buFont typeface="Arial" panose="020B0604020202020204" pitchFamily="34" charset="0"/>
               <a:buChar char="•"/>
             </a:pPr>
             <a:r>
-              <a:rPr lang="en-GB" b="1" dirty="0"/>
-              <a:t>A generator function returns a generator object</a:t>
-            </a:r>
-          </a:p>
-          <a:p>
-            <a:pPr lvl="1">
+              <a:rPr lang="en-GB" dirty="0"/>
+              <a:t>Can be used when a 'for' loop is not appropriate</a:t>
+            </a:r>
+          </a:p>
+          <a:p>
+            <a:pPr lvl="1"/>
+            <a:endParaRPr lang="en-GB" dirty="0"/>
+          </a:p>
+          <a:p>
+            <a:pPr lvl="1"/>
+            <a:endParaRPr lang="en-GB" dirty="0"/>
+          </a:p>
+          <a:p>
+            <a:pPr marL="450850" indent="-187325">
               <a:buFont typeface="Arial" panose="020B0604020202020204" pitchFamily="34" charset="0"/>
               <a:buChar char="•"/>
             </a:pPr>
-            <a:r>
-              <a:rPr lang="en-GB" dirty="0"/>
-              <a:t>Can be used when a 'for' loop is not appropriate</a:t>
-            </a:r>
-          </a:p>
-          <a:p>
-            <a:pPr lvl="1"/>
-            <a:endParaRPr lang="en-GB" dirty="0"/>
-          </a:p>
-          <a:p>
-            <a:pPr lvl="1"/>
-            <a:endParaRPr lang="en-GB" dirty="0"/>
-          </a:p>
-          <a:p>
             <a:r>
               <a:rPr lang="en-GB" dirty="0"/>
               <a:t>The </a:t>
@@ -32136,8 +32274,12 @@
             <a:endParaRPr lang="en-GB" dirty="0"/>
           </a:p>
           <a:p>
-            <a:r>
-              <a:rPr lang="en-GB" dirty="0"/>
+            <a:pPr marL="450850" indent="-187325">
+              <a:buFont typeface="Arial" panose="020B0604020202020204" pitchFamily="34" charset="0"/>
+              <a:buChar char="•"/>
+            </a:pPr>
+            <a:r>
+              <a:rPr lang="en-GB" sz="1800" dirty="0"/>
               <a:t>A loop does not have to be used</a:t>
             </a:r>
           </a:p>
@@ -32169,7 +32311,7 @@
         </p:nvSpPr>
         <p:spPr bwMode="auto">
           <a:xfrm>
-            <a:off x="7348221" y="2193578"/>
+            <a:off x="6015258" y="2195101"/>
             <a:ext cx="2690728" cy="523220"/>
           </a:xfrm>
           <a:prstGeom prst="rect">
@@ -32181,14 +32323,14 @@
           </a:ln>
           <a:extLst>
             <a:ext uri="{909E8E84-426E-40dd-AFC4-6F175D3DCCD1}">
-              <a14:hiddenFill xmlns:a14="http://schemas.microsoft.com/office/drawing/2010/main" xmlns="">
+              <a14:hiddenFill xmlns="" xmlns:a14="http://schemas.microsoft.com/office/drawing/2010/main">
                 <a:solidFill>
                   <a:srgbClr val="FFFFFF"/>
                 </a:solidFill>
               </a14:hiddenFill>
             </a:ext>
             <a:ext uri="{91240B29-F687-4f45-9708-019B960494DF}">
-              <a14:hiddenLine xmlns:a14="http://schemas.microsoft.com/office/drawing/2010/main" xmlns="" w="9525">
+              <a14:hiddenLine xmlns="" xmlns:a14="http://schemas.microsoft.com/office/drawing/2010/main" w="9525">
                 <a:solidFill>
                   <a:srgbClr val="000000"/>
                 </a:solidFill>
@@ -32327,7 +32469,7 @@
         </p:nvSpPr>
         <p:spPr bwMode="auto">
           <a:xfrm>
-            <a:off x="1781969" y="3472548"/>
+            <a:off x="821712" y="3339353"/>
             <a:ext cx="5138737" cy="1200150"/>
           </a:xfrm>
           <a:prstGeom prst="rect">
@@ -32347,6 +32489,13 @@
             <a:headEnd/>
             <a:tailEnd/>
           </a:ln>
+          <a:effectLst>
+            <a:outerShdw blurRad="50800" dist="38100" dir="2700000" algn="tl" rotWithShape="0">
+              <a:prstClr val="black">
+                <a:alpha val="40000"/>
+              </a:prstClr>
+            </a:outerShdw>
+          </a:effectLst>
         </p:spPr>
         <p:txBody>
           <a:bodyPr>
@@ -32514,11 +32663,18 @@
         </p:nvGrpSpPr>
         <p:grpSpPr bwMode="auto">
           <a:xfrm>
-            <a:off x="1781969" y="2197685"/>
+            <a:off x="754835" y="2236283"/>
             <a:ext cx="5186362" cy="519113"/>
             <a:chOff x="648" y="1068"/>
             <a:chExt cx="3267" cy="327"/>
           </a:xfrm>
+          <a:effectLst>
+            <a:outerShdw blurRad="50800" dist="38100" dir="2700000" algn="tl" rotWithShape="0">
+              <a:prstClr val="black">
+                <a:alpha val="40000"/>
+              </a:prstClr>
+            </a:outerShdw>
+          </a:effectLst>
         </p:grpSpPr>
         <p:sp>
           <p:nvSpPr>
@@ -32707,7 +32863,7 @@
             </a:ln>
             <a:extLst>
               <a:ext uri="{909E8E84-426E-40dd-AFC4-6F175D3DCCD1}">
-                <a14:hiddenFill xmlns:a14="http://schemas.microsoft.com/office/drawing/2010/main" xmlns="">
+                <a14:hiddenFill xmlns="" xmlns:a14="http://schemas.microsoft.com/office/drawing/2010/main">
                   <a:solidFill>
                     <a:srgbClr val="FFFFFF"/>
                   </a:solidFill>
@@ -32736,7 +32892,7 @@
         </p:nvSpPr>
         <p:spPr bwMode="auto">
           <a:xfrm>
-            <a:off x="6076549" y="4280836"/>
+            <a:off x="5174075" y="4197800"/>
             <a:ext cx="3493264" cy="646331"/>
           </a:xfrm>
           <a:prstGeom prst="rect">
@@ -32753,6 +32909,13 @@
             <a:headEnd/>
             <a:tailEnd/>
           </a:ln>
+          <a:effectLst>
+            <a:outerShdw blurRad="50800" dist="38100" dir="2700000" algn="tl" rotWithShape="0">
+              <a:prstClr val="black">
+                <a:alpha val="40000"/>
+              </a:prstClr>
+            </a:outerShdw>
+          </a:effectLst>
         </p:spPr>
         <p:txBody>
           <a:bodyPr wrap="none">
@@ -32894,7 +33057,7 @@
         </p:nvSpPr>
         <p:spPr bwMode="auto">
           <a:xfrm>
-            <a:off x="1781969" y="5482039"/>
+            <a:off x="821712" y="5310450"/>
             <a:ext cx="5138738" cy="1200150"/>
           </a:xfrm>
           <a:prstGeom prst="rect">
@@ -32914,6 +33077,13 @@
             <a:headEnd/>
             <a:tailEnd/>
           </a:ln>
+          <a:effectLst>
+            <a:outerShdw blurRad="50800" dist="38100" dir="2700000" algn="tl" rotWithShape="0">
+              <a:prstClr val="black">
+                <a:alpha val="40000"/>
+              </a:prstClr>
+            </a:outerShdw>
+          </a:effectLst>
         </p:spPr>
         <p:txBody>
           <a:bodyPr>
@@ -33176,7 +33346,7 @@
         </p:nvSpPr>
         <p:spPr bwMode="auto">
           <a:xfrm>
-            <a:off x="672281" y="1916020"/>
+            <a:off x="672281" y="1757630"/>
             <a:ext cx="5712365" cy="4724370"/>
           </a:xfrm>
           <a:prstGeom prst="rect">
@@ -33196,6 +33366,13 @@
             <a:headEnd/>
             <a:tailEnd/>
           </a:ln>
+          <a:effectLst>
+            <a:outerShdw blurRad="50800" dist="38100" dir="2700000" algn="tl" rotWithShape="0">
+              <a:prstClr val="black">
+                <a:alpha val="40000"/>
+              </a:prstClr>
+            </a:outerShdw>
+          </a:effectLst>
         </p:spPr>
         <p:txBody>
           <a:bodyPr wrap="square">
@@ -33716,6 +33893,13 @@
             <a:headEnd/>
             <a:tailEnd/>
           </a:ln>
+          <a:effectLst>
+            <a:outerShdw blurRad="50800" dist="38100" dir="2700000" algn="tl" rotWithShape="0">
+              <a:prstClr val="black">
+                <a:alpha val="40000"/>
+              </a:prstClr>
+            </a:outerShdw>
+          </a:effectLst>
         </p:spPr>
         <p:txBody>
           <a:bodyPr wrap="none">
@@ -33898,14 +34082,14 @@
           </a:ln>
           <a:extLst>
             <a:ext uri="{909E8E84-426E-40dd-AFC4-6F175D3DCCD1}">
-              <a14:hiddenFill xmlns:a14="http://schemas.microsoft.com/office/drawing/2010/main" xmlns="">
+              <a14:hiddenFill xmlns="" xmlns:a14="http://schemas.microsoft.com/office/drawing/2010/main">
                 <a:solidFill>
                   <a:srgbClr val="FFFFFF"/>
                 </a:solidFill>
               </a14:hiddenFill>
             </a:ext>
             <a:ext uri="{91240B29-F687-4f45-9708-019B960494DF}">
-              <a14:hiddenLine xmlns:a14="http://schemas.microsoft.com/office/drawing/2010/main" xmlns="" w="9525">
+              <a14:hiddenLine xmlns="" xmlns:a14="http://schemas.microsoft.com/office/drawing/2010/main" w="9525">
                 <a:solidFill>
                   <a:srgbClr val="000000"/>
                 </a:solidFill>
@@ -34133,12 +34317,12 @@
             </a:r>
           </a:p>
           <a:p>
-            <a:pPr lvl="1">
+            <a:pPr marL="450850" lvl="1" indent="-276225">
               <a:buFont typeface="Arial" panose="020B0604020202020204" pitchFamily="34" charset="0"/>
               <a:buChar char="•"/>
             </a:pPr>
             <a:r>
-              <a:rPr lang="en-GB" dirty="0"/>
+              <a:rPr lang="en-GB" sz="1800" dirty="0"/>
               <a:t>In the same way as a large and complex function might be split into smaller components</a:t>
             </a:r>
           </a:p>
@@ -34149,6 +34333,10 @@
             </a:r>
           </a:p>
           <a:p>
+            <a:pPr marL="450850" indent="-276225">
+              <a:buFont typeface="Arial" panose="020B0604020202020204" pitchFamily="34" charset="0"/>
+              <a:buChar char="•"/>
+            </a:pPr>
             <a:r>
               <a:rPr lang="en-GB" dirty="0">
                 <a:latin typeface="Courier New" panose="02070309020205020404" pitchFamily="49" charset="0"/>
@@ -34171,8 +34359,12 @@
             <a:endParaRPr lang="en-GB" i="1" dirty="0"/>
           </a:p>
           <a:p>
-            <a:r>
-              <a:rPr lang="en-GB" dirty="0"/>
+            <a:pPr marL="450850" indent="-276225">
+              <a:buFont typeface="Arial" panose="020B0604020202020204" pitchFamily="34" charset="0"/>
+              <a:buChar char="•"/>
+            </a:pPr>
+            <a:r>
+              <a:rPr lang="en-GB" sz="1800" dirty="0"/>
               <a:t>Can be written as:</a:t>
             </a:r>
           </a:p>
@@ -34200,7 +34392,7 @@
         </p:nvSpPr>
         <p:spPr bwMode="auto">
           <a:xfrm>
-            <a:off x="1722895" y="3610318"/>
+            <a:off x="745865" y="3256375"/>
             <a:ext cx="5253477" cy="707886"/>
           </a:xfrm>
           <a:prstGeom prst="rect">
@@ -34220,6 +34412,13 @@
             <a:headEnd/>
             <a:tailEnd/>
           </a:ln>
+          <a:effectLst>
+            <a:outerShdw blurRad="50800" dist="38100" dir="2700000" algn="tl" rotWithShape="0">
+              <a:prstClr val="black">
+                <a:alpha val="40000"/>
+              </a:prstClr>
+            </a:outerShdw>
+          </a:effectLst>
         </p:spPr>
         <p:txBody>
           <a:bodyPr wrap="square">
@@ -34379,7 +34578,7 @@
         </p:nvSpPr>
         <p:spPr bwMode="auto">
           <a:xfrm>
-            <a:off x="1775326" y="5377080"/>
+            <a:off x="745865" y="4767803"/>
             <a:ext cx="5253477" cy="400110"/>
           </a:xfrm>
           <a:prstGeom prst="rect">
@@ -34399,6 +34598,13 @@
             <a:headEnd/>
             <a:tailEnd/>
           </a:ln>
+          <a:effectLst>
+            <a:outerShdw blurRad="50800" dist="38100" dir="2700000" algn="tl" rotWithShape="0">
+              <a:prstClr val="black">
+                <a:alpha val="40000"/>
+              </a:prstClr>
+            </a:outerShdw>
+          </a:effectLst>
         </p:spPr>
         <p:txBody>
           <a:bodyPr wrap="square">
@@ -34770,40 +34976,91 @@
           </a:bodyPr>
           <a:lstStyle/>
           <a:p>
-            <a:pPr marL="342900" indent="-342900">
+            <a:pPr marL="180975"/>
+            <a:r>
+              <a:rPr lang="en-GB" b="1" dirty="0">
+                <a:latin typeface="Courier New" panose="02070309020205020404" pitchFamily="49" charset="0"/>
+              </a:rPr>
+              <a:t>Syntax: filter</a:t>
+            </a:r>
+            <a:r>
+              <a:rPr lang="en-GB" b="1" dirty="0"/>
+              <a:t>(</a:t>
+            </a:r>
+            <a:r>
+              <a:rPr lang="en-GB" b="1" i="1" dirty="0"/>
+              <a:t>function</a:t>
+            </a:r>
+            <a:r>
+              <a:rPr lang="en-GB" b="1" dirty="0"/>
+              <a:t>, </a:t>
+            </a:r>
+            <a:r>
+              <a:rPr lang="en-GB" b="1" i="1" dirty="0" err="1"/>
+              <a:t>iterable</a:t>
+            </a:r>
+            <a:r>
+              <a:rPr lang="en-GB" b="1" i="1" dirty="0"/>
+              <a:t>-object</a:t>
+            </a:r>
+            <a:r>
+              <a:rPr lang="en-GB" b="1" dirty="0"/>
+              <a:t>)</a:t>
+            </a:r>
+          </a:p>
+          <a:p>
+            <a:pPr marL="450850" lvl="1" indent="-269875">
               <a:buFont typeface="Arial" panose="020B0604020202020204" pitchFamily="34" charset="0"/>
               <a:buChar char="•"/>
             </a:pPr>
             <a:r>
-              <a:rPr lang="en-GB" b="1" dirty="0">
-                <a:latin typeface="Courier New" panose="02070309020205020404" pitchFamily="49" charset="0"/>
-              </a:rPr>
-              <a:t>filter</a:t>
-            </a:r>
-            <a:r>
-              <a:rPr lang="en-GB" b="1" dirty="0"/>
-              <a:t>(</a:t>
-            </a:r>
-            <a:r>
-              <a:rPr lang="en-GB" b="1" i="1" dirty="0"/>
-              <a:t>function</a:t>
-            </a:r>
-            <a:r>
-              <a:rPr lang="en-GB" b="1" dirty="0"/>
-              <a:t>, </a:t>
-            </a:r>
-            <a:r>
-              <a:rPr lang="en-GB" b="1" i="1" dirty="0" err="1"/>
-              <a:t>iterable</a:t>
-            </a:r>
-            <a:r>
-              <a:rPr lang="en-GB" b="1" i="1" dirty="0"/>
-              <a:t>-object</a:t>
-            </a:r>
-            <a:r>
-              <a:rPr lang="en-GB" b="1" dirty="0"/>
-              <a:t>)</a:t>
-            </a:r>
+              <a:rPr lang="en-GB" sz="1800" dirty="0"/>
+              <a:t>Returns an iterator for every item where function returns true</a:t>
+            </a:r>
+          </a:p>
+          <a:p>
+            <a:pPr marL="450850" lvl="1" indent="-269875">
+              <a:buFont typeface="Arial" panose="020B0604020202020204" pitchFamily="34" charset="0"/>
+              <a:buChar char="•"/>
+            </a:pPr>
+            <a:r>
+              <a:rPr lang="en-GB" sz="1800" dirty="0"/>
+              <a:t>The function could be named, or a lambda</a:t>
+            </a:r>
+          </a:p>
+          <a:p>
+            <a:pPr marL="450850" lvl="1" indent="-269875">
+              <a:buFont typeface="Arial" panose="020B0604020202020204" pitchFamily="34" charset="0"/>
+              <a:buChar char="•"/>
+            </a:pPr>
+            <a:r>
+              <a:rPr lang="en-GB" sz="1800" dirty="0"/>
+              <a:t>The iterator can be used in a loop</a:t>
+            </a:r>
+          </a:p>
+          <a:p>
+            <a:pPr lvl="1"/>
+            <a:endParaRPr lang="en-GB" dirty="0"/>
+          </a:p>
+          <a:p>
+            <a:pPr lvl="2"/>
+            <a:endParaRPr lang="en-GB" dirty="0"/>
+          </a:p>
+          <a:p>
+            <a:pPr lvl="3"/>
+            <a:endParaRPr lang="en-GB" dirty="0"/>
+          </a:p>
+          <a:p>
+            <a:pPr marL="914400" lvl="2" indent="0">
+              <a:buNone/>
+            </a:pPr>
+            <a:endParaRPr lang="en-GB" dirty="0"/>
+          </a:p>
+          <a:p>
+            <a:pPr marL="88900" lvl="2" indent="0">
+              <a:buNone/>
+            </a:pPr>
+            <a:endParaRPr lang="en-GB" sz="800" dirty="0"/>
           </a:p>
           <a:p>
             <a:pPr lvl="1">
@@ -34811,63 +35068,7 @@
               <a:buChar char="•"/>
             </a:pPr>
             <a:r>
-              <a:rPr lang="en-GB" dirty="0"/>
-              <a:t>Returns an iterator for every item where function returns true</a:t>
-            </a:r>
-          </a:p>
-          <a:p>
-            <a:pPr lvl="1">
-              <a:buFont typeface="Arial" panose="020B0604020202020204" pitchFamily="34" charset="0"/>
-              <a:buChar char="•"/>
-            </a:pPr>
-            <a:r>
-              <a:rPr lang="en-GB" dirty="0"/>
-              <a:t>The function could be named, or a lambda</a:t>
-            </a:r>
-          </a:p>
-          <a:p>
-            <a:pPr lvl="1">
-              <a:buFont typeface="Arial" panose="020B0604020202020204" pitchFamily="34" charset="0"/>
-              <a:buChar char="•"/>
-            </a:pPr>
-            <a:r>
-              <a:rPr lang="en-GB" dirty="0"/>
-              <a:t>The iterator can be used in a loop</a:t>
-            </a:r>
-          </a:p>
-          <a:p>
-            <a:pPr lvl="1"/>
-            <a:endParaRPr lang="en-GB" dirty="0"/>
-          </a:p>
-          <a:p>
-            <a:pPr lvl="2"/>
-            <a:endParaRPr lang="en-GB" dirty="0"/>
-          </a:p>
-          <a:p>
-            <a:pPr lvl="3"/>
-            <a:endParaRPr lang="en-GB" dirty="0"/>
-          </a:p>
-          <a:p>
-            <a:pPr marL="914400" lvl="2" indent="0">
-              <a:buNone/>
-            </a:pPr>
-            <a:endParaRPr lang="en-GB" dirty="0"/>
-          </a:p>
-          <a:p>
-            <a:pPr lvl="2"/>
-            <a:endParaRPr lang="en-GB" dirty="0"/>
-          </a:p>
-          <a:p>
-            <a:pPr lvl="2"/>
-            <a:endParaRPr lang="en-GB" sz="800" dirty="0"/>
-          </a:p>
-          <a:p>
-            <a:pPr lvl="1">
-              <a:buFont typeface="Arial" panose="020B0604020202020204" pitchFamily="34" charset="0"/>
-              <a:buChar char="•"/>
-            </a:pPr>
-            <a:r>
-              <a:rPr lang="en-GB" dirty="0"/>
+              <a:rPr lang="en-GB" sz="1800" dirty="0"/>
               <a:t>Or we can construct a list</a:t>
             </a:r>
           </a:p>
@@ -34883,7 +35084,7 @@
         </p:nvSpPr>
         <p:spPr bwMode="auto">
           <a:xfrm>
-            <a:off x="1037274" y="3044789"/>
+            <a:off x="811496" y="2853326"/>
             <a:ext cx="8180445" cy="1600438"/>
           </a:xfrm>
           <a:prstGeom prst="rect">
@@ -34903,6 +35104,13 @@
             <a:headEnd/>
             <a:tailEnd/>
           </a:ln>
+          <a:effectLst>
+            <a:outerShdw blurRad="50800" dist="38100" dir="2700000" algn="tl" rotWithShape="0">
+              <a:prstClr val="black">
+                <a:alpha val="40000"/>
+              </a:prstClr>
+            </a:outerShdw>
+          </a:effectLst>
         </p:spPr>
         <p:txBody>
           <a:bodyPr wrap="none">
@@ -35150,7 +35358,7 @@
         </p:nvSpPr>
         <p:spPr bwMode="auto">
           <a:xfrm>
-            <a:off x="1037274" y="5640943"/>
+            <a:off x="811496" y="5012449"/>
             <a:ext cx="8062913" cy="376238"/>
           </a:xfrm>
           <a:prstGeom prst="rect">
@@ -35170,6 +35378,13 @@
             <a:headEnd/>
             <a:tailEnd/>
           </a:ln>
+          <a:effectLst>
+            <a:outerShdw blurRad="50800" dist="38100" dir="2700000" algn="tl" rotWithShape="0">
+              <a:prstClr val="black">
+                <a:alpha val="40000"/>
+              </a:prstClr>
+            </a:outerShdw>
+          </a:effectLst>
         </p:spPr>
         <p:txBody>
           <a:bodyPr>
@@ -35315,7 +35530,13 @@
       </p:sp>
       <p:sp>
         <p:nvSpPr>
-          <p:cNvPr id="5127" name="Text Box 11"/>
+          <p:cNvPr id="2" name="Text Box 7">
+            <a:extLst>
+              <a:ext uri="{FF2B5EF4-FFF2-40B4-BE49-F238E27FC236}">
+                <a16:creationId xmlns:a16="http://schemas.microsoft.com/office/drawing/2014/main" id="{154F03A8-09F8-1C6E-4223-C2360C0F578F}"/>
+              </a:ext>
+            </a:extLst>
+          </p:cNvPr>
           <p:cNvSpPr txBox="1">
             <a:spLocks noChangeArrowheads="1"/>
           </p:cNvSpPr>
@@ -35323,38 +35544,33 @@
         </p:nvSpPr>
         <p:spPr bwMode="auto">
           <a:xfrm>
-            <a:off x="6768206" y="6127667"/>
-            <a:ext cx="2449513" cy="336550"/>
+            <a:off x="9175145" y="4103957"/>
+            <a:ext cx="2375971" cy="338554"/>
           </a:xfrm>
           <a:prstGeom prst="rect">
             <a:avLst/>
           </a:prstGeom>
-          <a:noFill/>
-          <a:ln>
-            <a:noFill/>
+          <a:solidFill>
+            <a:schemeClr val="bg1"/>
+          </a:solidFill>
+          <a:ln w="9525">
+            <a:solidFill>
+              <a:schemeClr val="tx1"/>
+            </a:solidFill>
+            <a:miter lim="800000"/>
+            <a:headEnd/>
+            <a:tailEnd/>
           </a:ln>
-          <a:extLst>
-            <a:ext uri="{909E8E84-426E-40dd-AFC4-6F175D3DCCD1}">
-              <a14:hiddenFill xmlns:a14="http://schemas.microsoft.com/office/drawing/2010/main" xmlns="">
-                <a:solidFill>
-                  <a:srgbClr val="FFFFFF"/>
-                </a:solidFill>
-              </a14:hiddenFill>
-            </a:ext>
-            <a:ext uri="{91240B29-F687-4f45-9708-019B960494DF}">
-              <a14:hiddenLine xmlns:a14="http://schemas.microsoft.com/office/drawing/2010/main" xmlns="" w="9525">
-                <a:solidFill>
-                  <a:srgbClr val="000000"/>
-                </a:solidFill>
-                <a:miter lim="800000"/>
-                <a:headEnd/>
-                <a:tailEnd/>
-              </a14:hiddenLine>
-            </a:ext>
-          </a:extLst>
+          <a:effectLst>
+            <a:outerShdw blurRad="50800" dist="38100" dir="2700000" algn="tl" rotWithShape="0">
+              <a:prstClr val="black">
+                <a:alpha val="40000"/>
+              </a:prstClr>
+            </a:outerShdw>
+          </a:effectLst>
         </p:spPr>
         <p:txBody>
-          <a:bodyPr wrap="none">
+          <a:bodyPr wrap="none" lIns="91440" tIns="45720" rIns="91440" bIns="45720" anchor="t">
             <a:spAutoFit/>
           </a:bodyPr>
           <a:lstStyle>
@@ -35457,15 +35673,68 @@
           </a:lstStyle>
           <a:p>
             <a:r>
-              <a:rPr lang="en-GB" sz="1600" b="1" i="1" dirty="0"/>
-              <a:t>Get a list of directories </a:t>
+              <a:rPr lang="en-GB" sz="1600" i="1" dirty="0"/>
+              <a:t>Print a list of directories </a:t>
             </a:r>
           </a:p>
         </p:txBody>
       </p:sp>
       <p:sp>
         <p:nvSpPr>
-          <p:cNvPr id="5128" name="Text Box 12"/>
+          <p:cNvPr id="3" name="Line 8">
+            <a:extLst>
+              <a:ext uri="{FF2B5EF4-FFF2-40B4-BE49-F238E27FC236}">
+                <a16:creationId xmlns:a16="http://schemas.microsoft.com/office/drawing/2014/main" id="{BC21B107-A417-8A49-BA43-16D4C473881E}"/>
+              </a:ext>
+            </a:extLst>
+          </p:cNvPr>
+          <p:cNvSpPr>
+            <a:spLocks noChangeShapeType="1"/>
+          </p:cNvSpPr>
+          <p:nvPr/>
+        </p:nvSpPr>
+        <p:spPr bwMode="auto">
+          <a:xfrm flipH="1">
+            <a:off x="7378836" y="4291317"/>
+            <a:ext cx="1796309" cy="0"/>
+          </a:xfrm>
+          <a:prstGeom prst="line">
+            <a:avLst/>
+          </a:prstGeom>
+          <a:solidFill>
+            <a:schemeClr val="tx2">
+              <a:lumMod val="20000"/>
+              <a:lumOff val="80000"/>
+            </a:schemeClr>
+          </a:solidFill>
+          <a:ln w="9525">
+            <a:solidFill>
+              <a:schemeClr val="tx1"/>
+            </a:solidFill>
+            <a:round/>
+            <a:headEnd/>
+            <a:tailEnd type="triangle" w="med" len="med"/>
+          </a:ln>
+        </p:spPr>
+        <p:txBody>
+          <a:bodyPr wrap="square">
+            <a:spAutoFit/>
+          </a:bodyPr>
+          <a:lstStyle/>
+          <a:p>
+            <a:endParaRPr lang="en-GB" u="sng"/>
+          </a:p>
+        </p:txBody>
+      </p:sp>
+      <p:sp>
+        <p:nvSpPr>
+          <p:cNvPr id="4" name="Text Box 7">
+            <a:extLst>
+              <a:ext uri="{FF2B5EF4-FFF2-40B4-BE49-F238E27FC236}">
+                <a16:creationId xmlns:a16="http://schemas.microsoft.com/office/drawing/2014/main" id="{023F9D7A-2B41-B9E8-17F2-1CBEF7B5AEFC}"/>
+              </a:ext>
+            </a:extLst>
+          </p:cNvPr>
           <p:cNvSpPr txBox="1">
             <a:spLocks noChangeArrowheads="1"/>
           </p:cNvSpPr>
@@ -35473,38 +35742,33 @@
         </p:nvSpPr>
         <p:spPr bwMode="auto">
           <a:xfrm>
-            <a:off x="6768206" y="4722274"/>
-            <a:ext cx="2573338" cy="336550"/>
+            <a:off x="9175145" y="5050133"/>
+            <a:ext cx="2286203" cy="338554"/>
           </a:xfrm>
           <a:prstGeom prst="rect">
             <a:avLst/>
           </a:prstGeom>
-          <a:noFill/>
-          <a:ln>
-            <a:noFill/>
+          <a:solidFill>
+            <a:schemeClr val="bg1"/>
+          </a:solidFill>
+          <a:ln w="9525">
+            <a:solidFill>
+              <a:schemeClr val="tx1"/>
+            </a:solidFill>
+            <a:miter lim="800000"/>
+            <a:headEnd/>
+            <a:tailEnd/>
           </a:ln>
-          <a:extLst>
-            <a:ext uri="{909E8E84-426E-40dd-AFC4-6F175D3DCCD1}">
-              <a14:hiddenFill xmlns:a14="http://schemas.microsoft.com/office/drawing/2010/main" xmlns="">
-                <a:solidFill>
-                  <a:srgbClr val="FFFFFF"/>
-                </a:solidFill>
-              </a14:hiddenFill>
-            </a:ext>
-            <a:ext uri="{91240B29-F687-4f45-9708-019B960494DF}">
-              <a14:hiddenLine xmlns:a14="http://schemas.microsoft.com/office/drawing/2010/main" xmlns="" w="9525">
-                <a:solidFill>
-                  <a:srgbClr val="000000"/>
-                </a:solidFill>
-                <a:miter lim="800000"/>
-                <a:headEnd/>
-                <a:tailEnd/>
-              </a14:hiddenLine>
-            </a:ext>
-          </a:extLst>
+          <a:effectLst>
+            <a:outerShdw blurRad="50800" dist="38100" dir="2700000" algn="tl" rotWithShape="0">
+              <a:prstClr val="black">
+                <a:alpha val="40000"/>
+              </a:prstClr>
+            </a:outerShdw>
+          </a:effectLst>
         </p:spPr>
         <p:txBody>
-          <a:bodyPr wrap="none">
+          <a:bodyPr wrap="none" lIns="91440" tIns="45720" rIns="91440" bIns="45720" anchor="t">
             <a:spAutoFit/>
           </a:bodyPr>
           <a:lstStyle>
@@ -35607,9 +35871,56 @@
           </a:lstStyle>
           <a:p>
             <a:r>
-              <a:rPr lang="en-GB" sz="1600" b="1" i="1" dirty="0"/>
-              <a:t>Print a list of directories </a:t>
-            </a:r>
+              <a:rPr lang="en-GB" sz="1600" i="1" dirty="0"/>
+              <a:t>Get a list of directories </a:t>
+            </a:r>
+          </a:p>
+        </p:txBody>
+      </p:sp>
+      <p:sp>
+        <p:nvSpPr>
+          <p:cNvPr id="5" name="Line 8">
+            <a:extLst>
+              <a:ext uri="{FF2B5EF4-FFF2-40B4-BE49-F238E27FC236}">
+                <a16:creationId xmlns:a16="http://schemas.microsoft.com/office/drawing/2014/main" id="{0811993F-8848-9064-A0A3-23F3B2F068AC}"/>
+              </a:ext>
+            </a:extLst>
+          </p:cNvPr>
+          <p:cNvSpPr>
+            <a:spLocks noChangeShapeType="1"/>
+          </p:cNvSpPr>
+          <p:nvPr/>
+        </p:nvSpPr>
+        <p:spPr bwMode="auto">
+          <a:xfrm flipH="1">
+            <a:off x="8669867" y="5237051"/>
+            <a:ext cx="505278" cy="0"/>
+          </a:xfrm>
+          <a:prstGeom prst="line">
+            <a:avLst/>
+          </a:prstGeom>
+          <a:solidFill>
+            <a:schemeClr val="tx2">
+              <a:lumMod val="20000"/>
+              <a:lumOff val="80000"/>
+            </a:schemeClr>
+          </a:solidFill>
+          <a:ln w="9525">
+            <a:solidFill>
+              <a:schemeClr val="tx1"/>
+            </a:solidFill>
+            <a:round/>
+            <a:headEnd/>
+            <a:tailEnd type="triangle" w="med" len="med"/>
+          </a:ln>
+        </p:spPr>
+        <p:txBody>
+          <a:bodyPr wrap="square">
+            <a:spAutoFit/>
+          </a:bodyPr>
+          <a:lstStyle/>
+          <a:p>
+            <a:endParaRPr lang="en-GB" u="sng"/>
           </a:p>
         </p:txBody>
       </p:sp>
@@ -35681,20 +35992,12 @@
           <a:bodyPr/>
           <a:lstStyle/>
           <a:p>
-            <a:pPr marL="342900" indent="-342900">
-              <a:buFont typeface="Arial" panose="020B0604020202020204" pitchFamily="34" charset="0"/>
-              <a:buChar char="•"/>
-            </a:pPr>
             <a:r>
               <a:rPr lang="en-GB" b="1" dirty="0"/>
               <a:t>A list comprehension returns a list</a:t>
             </a:r>
           </a:p>
           <a:p>
-            <a:pPr marL="342900" indent="-342900">
-              <a:buFont typeface="Arial" panose="020B0604020202020204" pitchFamily="34" charset="0"/>
-              <a:buChar char="•"/>
-            </a:pPr>
             <a:r>
               <a:rPr lang="en-GB" b="1" dirty="0"/>
               <a:t>It consists of:</a:t>
@@ -35706,20 +36009,30 @@
               <a:buChar char="•"/>
             </a:pPr>
             <a:r>
-              <a:rPr lang="en-GB" dirty="0"/>
-              <a:t>An </a:t>
-            </a:r>
-            <a:r>
-              <a:rPr lang="en-GB" dirty="0">
-                <a:solidFill>
-                  <a:srgbClr val="FF0000"/>
+              <a:rPr lang="en-GB" sz="1800" dirty="0"/>
+              <a:t>A </a:t>
+            </a:r>
+            <a:r>
+              <a:rPr lang="en-GB" sz="1800" dirty="0">
+                <a:solidFill>
+                  <a:srgbClr val="0070C0"/>
                 </a:solidFill>
               </a:rPr>
-              <a:t>expression</a:t>
-            </a:r>
-            <a:r>
-              <a:rPr lang="en-GB" dirty="0"/>
-              <a:t> which identifies a list item</a:t>
+              <a:t>loop</a:t>
+            </a:r>
+            <a:r>
+              <a:rPr lang="en-GB" sz="1800" dirty="0"/>
+              <a:t> - typically a </a:t>
+            </a:r>
+            <a:r>
+              <a:rPr lang="en-GB" sz="1800" dirty="0">
+                <a:latin typeface="Courier New" panose="02070309020205020404" pitchFamily="49" charset="0"/>
+              </a:rPr>
+              <a:t>for</a:t>
+            </a:r>
+            <a:r>
+              <a:rPr lang="en-GB" sz="1800" dirty="0"/>
+              <a:t> loop</a:t>
             </a:r>
           </a:p>
           <a:p>
@@ -35728,55 +36041,21 @@
               <a:buChar char="•"/>
             </a:pPr>
             <a:r>
-              <a:rPr lang="en-GB" dirty="0"/>
-              <a:t>A </a:t>
-            </a:r>
-            <a:r>
-              <a:rPr lang="en-GB" dirty="0">
-                <a:solidFill>
-                  <a:srgbClr val="0070C0"/>
+              <a:rPr lang="en-GB" sz="1800" dirty="0"/>
+              <a:t>An </a:t>
+            </a:r>
+            <a:r>
+              <a:rPr lang="en-GB" sz="1800" dirty="0">
+                <a:solidFill>
+                  <a:srgbClr val="FF0000"/>
                 </a:solidFill>
               </a:rPr>
-              <a:t>loop</a:t>
-            </a:r>
-            <a:r>
-              <a:rPr lang="en-GB" dirty="0"/>
-              <a:t> - typically a </a:t>
-            </a:r>
-            <a:r>
-              <a:rPr lang="en-GB" dirty="0">
-                <a:latin typeface="Courier New" panose="02070309020205020404" pitchFamily="49" charset="0"/>
-              </a:rPr>
-              <a:t>for</a:t>
-            </a:r>
-            <a:r>
-              <a:rPr lang="en-GB" dirty="0"/>
-              <a:t> loop</a:t>
-            </a:r>
-          </a:p>
-          <a:p>
-            <a:pPr lvl="1"/>
-            <a:endParaRPr lang="en-GB" dirty="0"/>
-          </a:p>
-          <a:p>
-            <a:pPr lvl="1"/>
-            <a:endParaRPr lang="en-GB" dirty="0"/>
-          </a:p>
-          <a:p>
-            <a:pPr lvl="2"/>
-            <a:endParaRPr lang="en-GB" dirty="0"/>
-          </a:p>
-          <a:p>
-            <a:pPr marL="914400" lvl="2" indent="0">
-              <a:buNone/>
-            </a:pPr>
-            <a:endParaRPr lang="en-GB" dirty="0"/>
-          </a:p>
-          <a:p>
-            <a:pPr marL="914400" lvl="2" indent="0">
-              <a:buNone/>
-            </a:pPr>
-            <a:endParaRPr lang="en-GB" sz="800" dirty="0"/>
+              <a:t>expression</a:t>
+            </a:r>
+            <a:r>
+              <a:rPr lang="en-GB" sz="1800" dirty="0"/>
+              <a:t> which identifies a list item</a:t>
+            </a:r>
           </a:p>
           <a:p>
             <a:pPr lvl="1">
@@ -35784,11 +36063,11 @@
               <a:buChar char="•"/>
             </a:pPr>
             <a:r>
-              <a:rPr lang="en-GB" dirty="0"/>
+              <a:rPr lang="en-GB" sz="1800" dirty="0"/>
               <a:t>An optional </a:t>
             </a:r>
             <a:r>
-              <a:rPr lang="en-GB" dirty="0">
+              <a:rPr lang="en-GB" sz="1800" dirty="0">
                 <a:solidFill>
                   <a:srgbClr val="00B050"/>
                 </a:solidFill>
@@ -35796,28 +36075,75 @@
               <a:t>condition</a:t>
             </a:r>
             <a:r>
-              <a:rPr lang="en-GB" dirty="0"/>
+              <a:rPr lang="en-GB" sz="1800" dirty="0"/>
               <a:t> to filter items</a:t>
             </a:r>
           </a:p>
           <a:p>
-            <a:pPr lvl="2"/>
-            <a:r>
-              <a:rPr lang="en-GB" sz="1800" i="1" dirty="0"/>
-              <a:t> Pythonic</a:t>
-            </a:r>
-            <a:r>
-              <a:rPr lang="en-GB" sz="1800" dirty="0"/>
+            <a:pPr marL="88900" lvl="1" indent="0">
+              <a:buNone/>
+            </a:pPr>
+            <a:r>
+              <a:rPr lang="en-GB" b="1" dirty="0"/>
+              <a:t>Example, get a list of file size:</a:t>
+            </a:r>
+          </a:p>
+          <a:p>
+            <a:pPr lvl="1">
+              <a:buFont typeface="Arial" panose="020B0604020202020204" pitchFamily="34" charset="0"/>
+              <a:buChar char="•"/>
+            </a:pPr>
+            <a:endParaRPr lang="en-GB" dirty="0"/>
+          </a:p>
+          <a:p>
+            <a:pPr marL="88900" lvl="1" indent="0">
+              <a:buNone/>
+            </a:pPr>
+            <a:endParaRPr lang="en-GB" dirty="0"/>
+          </a:p>
+          <a:p>
+            <a:pPr marL="88900" lvl="1" indent="0">
+              <a:buNone/>
+            </a:pPr>
+            <a:r>
+              <a:rPr lang="en-GB" b="1" dirty="0"/>
+              <a:t>Example, get a list of directories:</a:t>
+            </a:r>
+          </a:p>
+          <a:p>
+            <a:pPr lvl="1">
+              <a:buFont typeface="Arial" panose="020B0604020202020204" pitchFamily="34" charset="0"/>
+              <a:buChar char="•"/>
+            </a:pPr>
+            <a:endParaRPr lang="en-GB" dirty="0"/>
+          </a:p>
+          <a:p>
+            <a:pPr lvl="1">
+              <a:buFont typeface="Arial" panose="020B0604020202020204" pitchFamily="34" charset="0"/>
+              <a:buChar char="•"/>
+            </a:pPr>
+            <a:endParaRPr lang="en-GB" dirty="0"/>
+          </a:p>
+          <a:p>
+            <a:pPr marL="88900" lvl="2" indent="0">
+              <a:buNone/>
+            </a:pPr>
+            <a:r>
+              <a:rPr lang="en-GB" b="1" i="1" dirty="0"/>
+              <a:t>Pythonic</a:t>
+            </a:r>
+            <a:r>
+              <a:rPr lang="en-GB" b="1" dirty="0"/>
               <a:t> replacement of the </a:t>
             </a:r>
             <a:r>
-              <a:rPr lang="en-GB" sz="1800" dirty="0">
+              <a:rPr lang="en-GB" b="1" dirty="0">
                 <a:latin typeface="Courier New" panose="02070309020205020404" pitchFamily="49" charset="0"/>
               </a:rPr>
-              <a:t>filter</a:t>
-            </a:r>
-            <a:r>
-              <a:rPr lang="en-GB" sz="1800" dirty="0"/>
+              <a:t>filter()</a:t>
+            </a:r>
+            <a:r>
+              <a:rPr lang="en-GB" b="1" dirty="0"/>
               <a:t> built-in</a:t>
             </a:r>
           </a:p>
@@ -35833,8 +36159,8 @@
         </p:nvSpPr>
         <p:spPr bwMode="auto">
           <a:xfrm>
-            <a:off x="341895" y="3121223"/>
-            <a:ext cx="8715381" cy="615553"/>
+            <a:off x="680561" y="3685294"/>
+            <a:ext cx="9242372" cy="646331"/>
           </a:xfrm>
           <a:prstGeom prst="rect">
             <a:avLst/>
@@ -35853,6 +36179,13 @@
             <a:headEnd/>
             <a:tailEnd/>
           </a:ln>
+          <a:effectLst>
+            <a:outerShdw blurRad="50800" dist="38100" dir="2700000" algn="tl" rotWithShape="0">
+              <a:prstClr val="black">
+                <a:alpha val="40000"/>
+              </a:prstClr>
+            </a:outerShdw>
+          </a:effectLst>
         </p:spPr>
         <p:txBody>
           <a:bodyPr wrap="square">
@@ -35963,7 +36296,7 @@
               </a:spcBef>
             </a:pPr>
             <a:r>
-              <a:rPr lang="en-GB" sz="1700" dirty="0">
+              <a:rPr lang="en-GB" sz="1800" dirty="0">
                 <a:latin typeface="Courier New" panose="02070309020205020404" pitchFamily="49" charset="0"/>
               </a:rPr>
               <a:t>pattern = 'C:/QA/Python/*'</a:t>
@@ -35976,13 +36309,13 @@
               </a:spcBef>
             </a:pPr>
             <a:r>
-              <a:rPr lang="en-GB" sz="1700" dirty="0">
+              <a:rPr lang="en-GB" sz="1800" dirty="0">
                 <a:latin typeface="Courier New" panose="02070309020205020404" pitchFamily="49" charset="0"/>
               </a:rPr>
               <a:t>sizes = [</a:t>
             </a:r>
             <a:r>
-              <a:rPr lang="en-GB" sz="1700" dirty="0" err="1">
+              <a:rPr lang="en-GB" sz="1800" dirty="0" err="1">
                 <a:solidFill>
                   <a:srgbClr val="FF0000"/>
                 </a:solidFill>
@@ -35991,7 +36324,7 @@
               <a:t>os.path.getsize</a:t>
             </a:r>
             <a:r>
-              <a:rPr lang="en-GB" sz="1700" dirty="0">
+              <a:rPr lang="en-GB" sz="1800" dirty="0">
                 <a:solidFill>
                   <a:srgbClr val="FF0000"/>
                 </a:solidFill>
@@ -36000,7 +36333,7 @@
               <a:t>(</a:t>
             </a:r>
             <a:r>
-              <a:rPr lang="en-GB" sz="1700" dirty="0" err="1">
+              <a:rPr lang="en-GB" sz="1800" dirty="0" err="1">
                 <a:solidFill>
                   <a:srgbClr val="FF0000"/>
                 </a:solidFill>
@@ -36009,7 +36342,7 @@
               <a:t>fname</a:t>
             </a:r>
             <a:r>
-              <a:rPr lang="en-GB" sz="1700" dirty="0">
+              <a:rPr lang="en-GB" sz="1800" dirty="0">
                 <a:solidFill>
                   <a:srgbClr val="FF0000"/>
                 </a:solidFill>
@@ -36018,7 +36351,7 @@
               <a:t>) </a:t>
             </a:r>
             <a:r>
-              <a:rPr lang="en-GB" sz="1700" dirty="0">
+              <a:rPr lang="en-GB" sz="1800" dirty="0">
                 <a:solidFill>
                   <a:srgbClr val="0070C0"/>
                 </a:solidFill>
@@ -36027,7 +36360,7 @@
               <a:t>for </a:t>
             </a:r>
             <a:r>
-              <a:rPr lang="en-GB" sz="1700" dirty="0" err="1">
+              <a:rPr lang="en-GB" sz="1800" dirty="0" err="1">
                 <a:solidFill>
                   <a:srgbClr val="0070C0"/>
                 </a:solidFill>
@@ -36036,7 +36369,7 @@
               <a:t>fname</a:t>
             </a:r>
             <a:r>
-              <a:rPr lang="en-GB" sz="1700" dirty="0">
+              <a:rPr lang="en-GB" sz="1800" dirty="0">
                 <a:solidFill>
                   <a:srgbClr val="0070C0"/>
                 </a:solidFill>
@@ -36045,7 +36378,7 @@
               <a:t> in </a:t>
             </a:r>
             <a:r>
-              <a:rPr lang="en-GB" sz="1700" dirty="0" err="1">
+              <a:rPr lang="en-GB" sz="1800" dirty="0" err="1">
                 <a:solidFill>
                   <a:srgbClr val="0070C0"/>
                 </a:solidFill>
@@ -36054,7 +36387,7 @@
               <a:t>glob.iglob</a:t>
             </a:r>
             <a:r>
-              <a:rPr lang="en-GB" sz="1700" dirty="0">
+              <a:rPr lang="en-GB" sz="1800" dirty="0">
                 <a:solidFill>
                   <a:srgbClr val="0070C0"/>
                 </a:solidFill>
@@ -36063,7 +36396,7 @@
               <a:t>(pattern)</a:t>
             </a:r>
             <a:r>
-              <a:rPr lang="en-GB" sz="1700" dirty="0">
+              <a:rPr lang="en-GB" sz="1800" dirty="0">
                 <a:latin typeface="Courier New" panose="02070309020205020404" pitchFamily="49" charset="0"/>
               </a:rPr>
               <a:t>]</a:t>
@@ -36081,8 +36414,8 @@
         </p:nvSpPr>
         <p:spPr bwMode="auto">
           <a:xfrm>
-            <a:off x="334489" y="5779213"/>
-            <a:ext cx="8715381" cy="323165"/>
+            <a:off x="680561" y="4950902"/>
+            <a:ext cx="9242372" cy="369332"/>
           </a:xfrm>
           <a:prstGeom prst="rect">
             <a:avLst/>
@@ -36101,6 +36434,13 @@
             <a:headEnd/>
             <a:tailEnd/>
           </a:ln>
+          <a:effectLst>
+            <a:outerShdw blurRad="50800" dist="38100" dir="2700000" algn="tl" rotWithShape="0">
+              <a:prstClr val="black">
+                <a:alpha val="40000"/>
+              </a:prstClr>
+            </a:outerShdw>
+          </a:effectLst>
         </p:spPr>
         <p:txBody>
           <a:bodyPr wrap="square">
@@ -36211,7 +36551,7 @@
               </a:spcBef>
             </a:pPr>
             <a:r>
-              <a:rPr lang="en-US" sz="1500" dirty="0" err="1">
+              <a:rPr lang="en-US" sz="1800" dirty="0" err="1">
                 <a:latin typeface="Courier New" panose="02070309020205020404" pitchFamily="49" charset="0"/>
               </a:rPr>
               <a:t>dirs</a:t>
@@ -36336,306 +36676,6 @@
             <a:endParaRPr lang="en-GB" sz="1500" dirty="0">
               <a:latin typeface="Courier New" panose="02070309020205020404" pitchFamily="49" charset="0"/>
             </a:endParaRPr>
-          </a:p>
-        </p:txBody>
-      </p:sp>
-      <p:sp>
-        <p:nvSpPr>
-          <p:cNvPr id="6150" name="Text Box 6"/>
-          <p:cNvSpPr txBox="1">
-            <a:spLocks noChangeArrowheads="1"/>
-          </p:cNvSpPr>
-          <p:nvPr/>
-        </p:nvSpPr>
-        <p:spPr bwMode="auto">
-          <a:xfrm>
-            <a:off x="3311587" y="3823074"/>
-            <a:ext cx="2259012" cy="336550"/>
-          </a:xfrm>
-          <a:prstGeom prst="rect">
-            <a:avLst/>
-          </a:prstGeom>
-          <a:noFill/>
-          <a:ln>
-            <a:noFill/>
-          </a:ln>
-          <a:extLst>
-            <a:ext uri="{909E8E84-426E-40dd-AFC4-6F175D3DCCD1}">
-              <a14:hiddenFill xmlns:a14="http://schemas.microsoft.com/office/drawing/2010/main" xmlns="">
-                <a:solidFill>
-                  <a:srgbClr val="FFFFFF"/>
-                </a:solidFill>
-              </a14:hiddenFill>
-            </a:ext>
-            <a:ext uri="{91240B29-F687-4f45-9708-019B960494DF}">
-              <a14:hiddenLine xmlns:a14="http://schemas.microsoft.com/office/drawing/2010/main" xmlns="" w="9525">
-                <a:solidFill>
-                  <a:srgbClr val="000000"/>
-                </a:solidFill>
-                <a:miter lim="800000"/>
-                <a:headEnd/>
-                <a:tailEnd/>
-              </a14:hiddenLine>
-            </a:ext>
-          </a:extLst>
-        </p:spPr>
-        <p:txBody>
-          <a:bodyPr wrap="none">
-            <a:spAutoFit/>
-          </a:bodyPr>
-          <a:lstStyle>
-            <a:lvl1pPr>
-              <a:defRPr sz="1000">
-                <a:solidFill>
-                  <a:schemeClr val="tx1"/>
-                </a:solidFill>
-                <a:latin typeface="Arial" charset="0"/>
-              </a:defRPr>
-            </a:lvl1pPr>
-            <a:lvl2pPr marL="742950" indent="-285750">
-              <a:defRPr sz="1000">
-                <a:solidFill>
-                  <a:schemeClr val="tx1"/>
-                </a:solidFill>
-                <a:latin typeface="Arial" charset="0"/>
-              </a:defRPr>
-            </a:lvl2pPr>
-            <a:lvl3pPr marL="1143000" indent="-228600">
-              <a:defRPr sz="1000">
-                <a:solidFill>
-                  <a:schemeClr val="tx1"/>
-                </a:solidFill>
-                <a:latin typeface="Arial" charset="0"/>
-              </a:defRPr>
-            </a:lvl3pPr>
-            <a:lvl4pPr marL="1600200" indent="-228600">
-              <a:defRPr sz="1000">
-                <a:solidFill>
-                  <a:schemeClr val="tx1"/>
-                </a:solidFill>
-                <a:latin typeface="Arial" charset="0"/>
-              </a:defRPr>
-            </a:lvl4pPr>
-            <a:lvl5pPr marL="2057400" indent="-228600">
-              <a:defRPr sz="1000">
-                <a:solidFill>
-                  <a:schemeClr val="tx1"/>
-                </a:solidFill>
-                <a:latin typeface="Arial" charset="0"/>
-              </a:defRPr>
-            </a:lvl5pPr>
-            <a:lvl6pPr marL="2514600" indent="-228600" eaLnBrk="0" fontAlgn="base" hangingPunct="0">
-              <a:spcBef>
-                <a:spcPct val="50000"/>
-              </a:spcBef>
-              <a:spcAft>
-                <a:spcPct val="0"/>
-              </a:spcAft>
-              <a:defRPr sz="1000">
-                <a:solidFill>
-                  <a:schemeClr val="tx1"/>
-                </a:solidFill>
-                <a:latin typeface="Arial" charset="0"/>
-              </a:defRPr>
-            </a:lvl6pPr>
-            <a:lvl7pPr marL="2971800" indent="-228600" eaLnBrk="0" fontAlgn="base" hangingPunct="0">
-              <a:spcBef>
-                <a:spcPct val="50000"/>
-              </a:spcBef>
-              <a:spcAft>
-                <a:spcPct val="0"/>
-              </a:spcAft>
-              <a:defRPr sz="1000">
-                <a:solidFill>
-                  <a:schemeClr val="tx1"/>
-                </a:solidFill>
-                <a:latin typeface="Arial" charset="0"/>
-              </a:defRPr>
-            </a:lvl7pPr>
-            <a:lvl8pPr marL="3429000" indent="-228600" eaLnBrk="0" fontAlgn="base" hangingPunct="0">
-              <a:spcBef>
-                <a:spcPct val="50000"/>
-              </a:spcBef>
-              <a:spcAft>
-                <a:spcPct val="0"/>
-              </a:spcAft>
-              <a:defRPr sz="1000">
-                <a:solidFill>
-                  <a:schemeClr val="tx1"/>
-                </a:solidFill>
-                <a:latin typeface="Arial" charset="0"/>
-              </a:defRPr>
-            </a:lvl8pPr>
-            <a:lvl9pPr marL="3886200" indent="-228600" eaLnBrk="0" fontAlgn="base" hangingPunct="0">
-              <a:spcBef>
-                <a:spcPct val="50000"/>
-              </a:spcBef>
-              <a:spcAft>
-                <a:spcPct val="0"/>
-              </a:spcAft>
-              <a:defRPr sz="1000">
-                <a:solidFill>
-                  <a:schemeClr val="tx1"/>
-                </a:solidFill>
-                <a:latin typeface="Arial" charset="0"/>
-              </a:defRPr>
-            </a:lvl9pPr>
-          </a:lstStyle>
-          <a:p>
-            <a:r>
-              <a:rPr lang="en-GB" sz="1600" b="1" i="1" dirty="0"/>
-              <a:t>Get a list of file sizes </a:t>
-            </a:r>
-          </a:p>
-        </p:txBody>
-      </p:sp>
-      <p:sp>
-        <p:nvSpPr>
-          <p:cNvPr id="6151" name="Text Box 7"/>
-          <p:cNvSpPr txBox="1">
-            <a:spLocks noChangeArrowheads="1"/>
-          </p:cNvSpPr>
-          <p:nvPr/>
-        </p:nvSpPr>
-        <p:spPr bwMode="auto">
-          <a:xfrm>
-            <a:off x="3216336" y="6241633"/>
-            <a:ext cx="2449513" cy="336550"/>
-          </a:xfrm>
-          <a:prstGeom prst="rect">
-            <a:avLst/>
-          </a:prstGeom>
-          <a:noFill/>
-          <a:ln>
-            <a:noFill/>
-          </a:ln>
-          <a:extLst>
-            <a:ext uri="{909E8E84-426E-40dd-AFC4-6F175D3DCCD1}">
-              <a14:hiddenFill xmlns:a14="http://schemas.microsoft.com/office/drawing/2010/main" xmlns="">
-                <a:solidFill>
-                  <a:srgbClr val="FFFFFF"/>
-                </a:solidFill>
-              </a14:hiddenFill>
-            </a:ext>
-            <a:ext uri="{91240B29-F687-4f45-9708-019B960494DF}">
-              <a14:hiddenLine xmlns:a14="http://schemas.microsoft.com/office/drawing/2010/main" xmlns="" w="9525">
-                <a:solidFill>
-                  <a:srgbClr val="000000"/>
-                </a:solidFill>
-                <a:miter lim="800000"/>
-                <a:headEnd/>
-                <a:tailEnd/>
-              </a14:hiddenLine>
-            </a:ext>
-          </a:extLst>
-        </p:spPr>
-        <p:txBody>
-          <a:bodyPr wrap="none">
-            <a:spAutoFit/>
-          </a:bodyPr>
-          <a:lstStyle>
-            <a:lvl1pPr>
-              <a:defRPr sz="1000">
-                <a:solidFill>
-                  <a:schemeClr val="tx1"/>
-                </a:solidFill>
-                <a:latin typeface="Arial" charset="0"/>
-              </a:defRPr>
-            </a:lvl1pPr>
-            <a:lvl2pPr marL="742950" indent="-285750">
-              <a:defRPr sz="1000">
-                <a:solidFill>
-                  <a:schemeClr val="tx1"/>
-                </a:solidFill>
-                <a:latin typeface="Arial" charset="0"/>
-              </a:defRPr>
-            </a:lvl2pPr>
-            <a:lvl3pPr marL="1143000" indent="-228600">
-              <a:defRPr sz="1000">
-                <a:solidFill>
-                  <a:schemeClr val="tx1"/>
-                </a:solidFill>
-                <a:latin typeface="Arial" charset="0"/>
-              </a:defRPr>
-            </a:lvl3pPr>
-            <a:lvl4pPr marL="1600200" indent="-228600">
-              <a:defRPr sz="1000">
-                <a:solidFill>
-                  <a:schemeClr val="tx1"/>
-                </a:solidFill>
-                <a:latin typeface="Arial" charset="0"/>
-              </a:defRPr>
-            </a:lvl4pPr>
-            <a:lvl5pPr marL="2057400" indent="-228600">
-              <a:defRPr sz="1000">
-                <a:solidFill>
-                  <a:schemeClr val="tx1"/>
-                </a:solidFill>
-                <a:latin typeface="Arial" charset="0"/>
-              </a:defRPr>
-            </a:lvl5pPr>
-            <a:lvl6pPr marL="2514600" indent="-228600" eaLnBrk="0" fontAlgn="base" hangingPunct="0">
-              <a:spcBef>
-                <a:spcPct val="50000"/>
-              </a:spcBef>
-              <a:spcAft>
-                <a:spcPct val="0"/>
-              </a:spcAft>
-              <a:defRPr sz="1000">
-                <a:solidFill>
-                  <a:schemeClr val="tx1"/>
-                </a:solidFill>
-                <a:latin typeface="Arial" charset="0"/>
-              </a:defRPr>
-            </a:lvl6pPr>
-            <a:lvl7pPr marL="2971800" indent="-228600" eaLnBrk="0" fontAlgn="base" hangingPunct="0">
-              <a:spcBef>
-                <a:spcPct val="50000"/>
-              </a:spcBef>
-              <a:spcAft>
-                <a:spcPct val="0"/>
-              </a:spcAft>
-              <a:defRPr sz="1000">
-                <a:solidFill>
-                  <a:schemeClr val="tx1"/>
-                </a:solidFill>
-                <a:latin typeface="Arial" charset="0"/>
-              </a:defRPr>
-            </a:lvl7pPr>
-            <a:lvl8pPr marL="3429000" indent="-228600" eaLnBrk="0" fontAlgn="base" hangingPunct="0">
-              <a:spcBef>
-                <a:spcPct val="50000"/>
-              </a:spcBef>
-              <a:spcAft>
-                <a:spcPct val="0"/>
-              </a:spcAft>
-              <a:defRPr sz="1000">
-                <a:solidFill>
-                  <a:schemeClr val="tx1"/>
-                </a:solidFill>
-                <a:latin typeface="Arial" charset="0"/>
-              </a:defRPr>
-            </a:lvl8pPr>
-            <a:lvl9pPr marL="3886200" indent="-228600" eaLnBrk="0" fontAlgn="base" hangingPunct="0">
-              <a:spcBef>
-                <a:spcPct val="50000"/>
-              </a:spcBef>
-              <a:spcAft>
-                <a:spcPct val="0"/>
-              </a:spcAft>
-              <a:defRPr sz="1000">
-                <a:solidFill>
-                  <a:schemeClr val="tx1"/>
-                </a:solidFill>
-                <a:latin typeface="Arial" charset="0"/>
-              </a:defRPr>
-            </a:lvl9pPr>
-          </a:lstStyle>
-          <a:p>
-            <a:r>
-              <a:rPr lang="en-GB" sz="1600" b="1" i="1" dirty="0"/>
-              <a:t>Get a list of directories </a:t>
-            </a:r>
           </a:p>
         </p:txBody>
       </p:sp>
@@ -36752,7 +36792,7 @@
         </p:nvSpPr>
         <p:spPr bwMode="auto">
           <a:xfrm>
-            <a:off x="339971" y="1991471"/>
+            <a:off x="603781" y="1991471"/>
             <a:ext cx="7112389" cy="769441"/>
           </a:xfrm>
           <a:prstGeom prst="rect">
@@ -36772,6 +36812,13 @@
             <a:headEnd/>
             <a:tailEnd/>
           </a:ln>
+          <a:effectLst>
+            <a:outerShdw blurRad="50800" dist="38100" dir="2700000" algn="tl" rotWithShape="0">
+              <a:prstClr val="black">
+                <a:alpha val="40000"/>
+              </a:prstClr>
+            </a:outerShdw>
+          </a:effectLst>
         </p:spPr>
         <p:txBody>
           <a:bodyPr wrap="square">
@@ -36960,7 +37007,7 @@
         </p:nvSpPr>
         <p:spPr bwMode="auto">
           <a:xfrm>
-            <a:off x="6690547" y="2349491"/>
+            <a:off x="6560839" y="2440772"/>
             <a:ext cx="2252540" cy="1200329"/>
           </a:xfrm>
           <a:prstGeom prst="rect">
@@ -36977,6 +37024,13 @@
             <a:headEnd/>
             <a:tailEnd/>
           </a:ln>
+          <a:effectLst>
+            <a:outerShdw blurRad="50800" dist="38100" dir="2700000" algn="tl" rotWithShape="0">
+              <a:prstClr val="black">
+                <a:alpha val="40000"/>
+              </a:prstClr>
+            </a:outerShdw>
+          </a:effectLst>
         </p:spPr>
         <p:txBody>
           <a:bodyPr wrap="none">
@@ -37159,7 +37213,7 @@
         </p:nvSpPr>
         <p:spPr bwMode="auto">
           <a:xfrm>
-            <a:off x="339971" y="3902245"/>
+            <a:off x="603781" y="3902245"/>
             <a:ext cx="6526146" cy="2277547"/>
           </a:xfrm>
           <a:prstGeom prst="rect">
@@ -37179,6 +37233,13 @@
             <a:headEnd/>
             <a:tailEnd/>
           </a:ln>
+          <a:effectLst>
+            <a:outerShdw blurRad="50800" dist="38100" dir="2700000" algn="tl" rotWithShape="0">
+              <a:prstClr val="black">
+                <a:alpha val="40000"/>
+              </a:prstClr>
+            </a:outerShdw>
+          </a:effectLst>
         </p:spPr>
         <p:txBody>
           <a:bodyPr wrap="none">
@@ -37506,7 +37567,7 @@
         </p:nvSpPr>
         <p:spPr bwMode="auto">
           <a:xfrm>
-            <a:off x="959032" y="4973718"/>
+            <a:off x="1222842" y="4973718"/>
             <a:ext cx="7590539" cy="338554"/>
           </a:xfrm>
           <a:prstGeom prst="rect">
@@ -37638,156 +37699,6 @@
       </p:sp>
       <p:sp>
         <p:nvSpPr>
-          <p:cNvPr id="7177" name="Text Box 12"/>
-          <p:cNvSpPr txBox="1">
-            <a:spLocks noChangeArrowheads="1"/>
-          </p:cNvSpPr>
-          <p:nvPr/>
-        </p:nvSpPr>
-        <p:spPr bwMode="auto">
-          <a:xfrm>
-            <a:off x="7083392" y="4069898"/>
-            <a:ext cx="1466850" cy="366713"/>
-          </a:xfrm>
-          <a:prstGeom prst="rect">
-            <a:avLst/>
-          </a:prstGeom>
-          <a:noFill/>
-          <a:ln>
-            <a:noFill/>
-          </a:ln>
-          <a:extLst>
-            <a:ext uri="{909E8E84-426E-40dd-AFC4-6F175D3DCCD1}">
-              <a14:hiddenFill xmlns:a14="http://schemas.microsoft.com/office/drawing/2010/main" xmlns="">
-                <a:solidFill>
-                  <a:srgbClr val="FFFFFF"/>
-                </a:solidFill>
-              </a14:hiddenFill>
-            </a:ext>
-            <a:ext uri="{91240B29-F687-4f45-9708-019B960494DF}">
-              <a14:hiddenLine xmlns:a14="http://schemas.microsoft.com/office/drawing/2010/main" xmlns="" w="9525">
-                <a:solidFill>
-                  <a:srgbClr val="000000"/>
-                </a:solidFill>
-                <a:miter lim="800000"/>
-                <a:headEnd/>
-                <a:tailEnd/>
-              </a14:hiddenLine>
-            </a:ext>
-          </a:extLst>
-        </p:spPr>
-        <p:txBody>
-          <a:bodyPr wrap="none">
-            <a:spAutoFit/>
-          </a:bodyPr>
-          <a:lstStyle>
-            <a:lvl1pPr>
-              <a:defRPr sz="1000">
-                <a:solidFill>
-                  <a:schemeClr val="tx1"/>
-                </a:solidFill>
-                <a:latin typeface="Arial" charset="0"/>
-              </a:defRPr>
-            </a:lvl1pPr>
-            <a:lvl2pPr marL="742950" indent="-285750">
-              <a:defRPr sz="1000">
-                <a:solidFill>
-                  <a:schemeClr val="tx1"/>
-                </a:solidFill>
-                <a:latin typeface="Arial" charset="0"/>
-              </a:defRPr>
-            </a:lvl2pPr>
-            <a:lvl3pPr marL="1143000" indent="-228600">
-              <a:defRPr sz="1000">
-                <a:solidFill>
-                  <a:schemeClr val="tx1"/>
-                </a:solidFill>
-                <a:latin typeface="Arial" charset="0"/>
-              </a:defRPr>
-            </a:lvl3pPr>
-            <a:lvl4pPr marL="1600200" indent="-228600">
-              <a:defRPr sz="1000">
-                <a:solidFill>
-                  <a:schemeClr val="tx1"/>
-                </a:solidFill>
-                <a:latin typeface="Arial" charset="0"/>
-              </a:defRPr>
-            </a:lvl4pPr>
-            <a:lvl5pPr marL="2057400" indent="-228600">
-              <a:defRPr sz="1000">
-                <a:solidFill>
-                  <a:schemeClr val="tx1"/>
-                </a:solidFill>
-                <a:latin typeface="Arial" charset="0"/>
-              </a:defRPr>
-            </a:lvl5pPr>
-            <a:lvl6pPr marL="2514600" indent="-228600" eaLnBrk="0" fontAlgn="base" hangingPunct="0">
-              <a:spcBef>
-                <a:spcPct val="50000"/>
-              </a:spcBef>
-              <a:spcAft>
-                <a:spcPct val="0"/>
-              </a:spcAft>
-              <a:defRPr sz="1000">
-                <a:solidFill>
-                  <a:schemeClr val="tx1"/>
-                </a:solidFill>
-                <a:latin typeface="Arial" charset="0"/>
-              </a:defRPr>
-            </a:lvl6pPr>
-            <a:lvl7pPr marL="2971800" indent="-228600" eaLnBrk="0" fontAlgn="base" hangingPunct="0">
-              <a:spcBef>
-                <a:spcPct val="50000"/>
-              </a:spcBef>
-              <a:spcAft>
-                <a:spcPct val="0"/>
-              </a:spcAft>
-              <a:defRPr sz="1000">
-                <a:solidFill>
-                  <a:schemeClr val="tx1"/>
-                </a:solidFill>
-                <a:latin typeface="Arial" charset="0"/>
-              </a:defRPr>
-            </a:lvl7pPr>
-            <a:lvl8pPr marL="3429000" indent="-228600" eaLnBrk="0" fontAlgn="base" hangingPunct="0">
-              <a:spcBef>
-                <a:spcPct val="50000"/>
-              </a:spcBef>
-              <a:spcAft>
-                <a:spcPct val="0"/>
-              </a:spcAft>
-              <a:defRPr sz="1000">
-                <a:solidFill>
-                  <a:schemeClr val="tx1"/>
-                </a:solidFill>
-                <a:latin typeface="Arial" charset="0"/>
-              </a:defRPr>
-            </a:lvl8pPr>
-            <a:lvl9pPr marL="3886200" indent="-228600" eaLnBrk="0" fontAlgn="base" hangingPunct="0">
-              <a:spcBef>
-                <a:spcPct val="50000"/>
-              </a:spcBef>
-              <a:spcAft>
-                <a:spcPct val="0"/>
-              </a:spcAft>
-              <a:defRPr sz="1000">
-                <a:solidFill>
-                  <a:schemeClr val="tx1"/>
-                </a:solidFill>
-                <a:latin typeface="Arial" charset="0"/>
-              </a:defRPr>
-            </a:lvl9pPr>
-          </a:lstStyle>
-          <a:p>
-            <a:r>
-              <a:rPr lang="en-GB" sz="1800" dirty="0"/>
-              <a:t>List of tuples</a:t>
-            </a:r>
-          </a:p>
-        </p:txBody>
-      </p:sp>
-      <p:sp>
-        <p:nvSpPr>
           <p:cNvPr id="7178" name="Line 13"/>
           <p:cNvSpPr>
             <a:spLocks noChangeShapeType="1"/>
@@ -37795,9 +37706,9 @@
           <p:nvPr/>
         </p:nvSpPr>
         <p:spPr bwMode="auto">
-          <a:xfrm>
-            <a:off x="7716170" y="4436611"/>
-            <a:ext cx="0" cy="469900"/>
+          <a:xfrm flipH="1" flipV="1">
+            <a:off x="8813380" y="5136442"/>
+            <a:ext cx="441231" cy="0"/>
           </a:xfrm>
           <a:prstGeom prst="line">
             <a:avLst/>
@@ -37813,14 +37724,14 @@
           </a:ln>
           <a:extLst>
             <a:ext uri="{909E8E84-426E-40dd-AFC4-6F175D3DCCD1}">
-              <a14:hiddenFill xmlns:a14="http://schemas.microsoft.com/office/drawing/2010/main" xmlns="">
+              <a14:hiddenFill xmlns="" xmlns:a14="http://schemas.microsoft.com/office/drawing/2010/main">
                 <a:noFill/>
               </a14:hiddenFill>
             </a:ext>
           </a:extLst>
         </p:spPr>
         <p:txBody>
-          <a:bodyPr>
+          <a:bodyPr wrap="square">
             <a:spAutoFit/>
           </a:bodyPr>
           <a:lstStyle/>
@@ -37839,7 +37750,7 @@
         </p:nvSpPr>
         <p:spPr bwMode="auto">
           <a:xfrm>
-            <a:off x="959032" y="6294055"/>
+            <a:off x="1222842" y="6108360"/>
             <a:ext cx="7494587" cy="346075"/>
           </a:xfrm>
           <a:prstGeom prst="rect">
@@ -37856,6 +37767,13 @@
             <a:headEnd/>
             <a:tailEnd/>
           </a:ln>
+          <a:effectLst>
+            <a:outerShdw blurRad="50800" dist="38100" dir="2700000" algn="tl" rotWithShape="0">
+              <a:prstClr val="black">
+                <a:alpha val="40000"/>
+              </a:prstClr>
+            </a:outerShdw>
+          </a:effectLst>
         </p:spPr>
         <p:txBody>
           <a:bodyPr>
@@ -37971,7 +37889,13 @@
       </p:sp>
       <p:sp>
         <p:nvSpPr>
-          <p:cNvPr id="7180" name="Text Box 15"/>
+          <p:cNvPr id="2" name="Text Box 7">
+            <a:extLst>
+              <a:ext uri="{FF2B5EF4-FFF2-40B4-BE49-F238E27FC236}">
+                <a16:creationId xmlns:a16="http://schemas.microsoft.com/office/drawing/2014/main" id="{F416C797-3672-D169-F817-CA02F81D5E27}"/>
+              </a:ext>
+            </a:extLst>
+          </p:cNvPr>
           <p:cNvSpPr txBox="1">
             <a:spLocks noChangeArrowheads="1"/>
           </p:cNvSpPr>
@@ -37979,38 +37903,26 @@
         </p:nvSpPr>
         <p:spPr bwMode="auto">
           <a:xfrm>
-            <a:off x="7160508" y="5597944"/>
-            <a:ext cx="1200150" cy="366713"/>
+            <a:off x="9254613" y="4973718"/>
+            <a:ext cx="1389291" cy="338554"/>
           </a:xfrm>
           <a:prstGeom prst="rect">
             <a:avLst/>
           </a:prstGeom>
-          <a:noFill/>
-          <a:ln>
-            <a:noFill/>
+          <a:solidFill>
+            <a:schemeClr val="bg1"/>
+          </a:solidFill>
+          <a:ln w="9525">
+            <a:solidFill>
+              <a:schemeClr val="tx1"/>
+            </a:solidFill>
+            <a:miter lim="800000"/>
+            <a:headEnd/>
+            <a:tailEnd/>
           </a:ln>
-          <a:extLst>
-            <a:ext uri="{909E8E84-426E-40dd-AFC4-6F175D3DCCD1}">
-              <a14:hiddenFill xmlns:a14="http://schemas.microsoft.com/office/drawing/2010/main" xmlns="">
-                <a:solidFill>
-                  <a:srgbClr val="FFFFFF"/>
-                </a:solidFill>
-              </a14:hiddenFill>
-            </a:ext>
-            <a:ext uri="{91240B29-F687-4f45-9708-019B960494DF}">
-              <a14:hiddenLine xmlns:a14="http://schemas.microsoft.com/office/drawing/2010/main" xmlns="" w="9525">
-                <a:solidFill>
-                  <a:srgbClr val="000000"/>
-                </a:solidFill>
-                <a:miter lim="800000"/>
-                <a:headEnd/>
-                <a:tailEnd/>
-              </a14:hiddenLine>
-            </a:ext>
-          </a:extLst>
         </p:spPr>
         <p:txBody>
-          <a:bodyPr wrap="none">
+          <a:bodyPr wrap="none" lIns="91440" tIns="45720" rIns="91440" bIns="45720" anchor="t">
             <a:spAutoFit/>
           </a:bodyPr>
           <a:lstStyle>
@@ -38113,24 +38025,181 @@
           </a:lstStyle>
           <a:p>
             <a:r>
-              <a:rPr lang="en-GB" sz="1800" dirty="0"/>
-              <a:t>Dictionary</a:t>
+              <a:rPr lang="en-GB" sz="1600" i="1" dirty="0"/>
+              <a:t>List of Tuples</a:t>
             </a:r>
           </a:p>
         </p:txBody>
       </p:sp>
       <p:sp>
         <p:nvSpPr>
-          <p:cNvPr id="7181" name="Line 16"/>
+          <p:cNvPr id="3" name="Text Box 7">
+            <a:extLst>
+              <a:ext uri="{FF2B5EF4-FFF2-40B4-BE49-F238E27FC236}">
+                <a16:creationId xmlns:a16="http://schemas.microsoft.com/office/drawing/2014/main" id="{1A7D0449-6EB0-E6E6-445B-7D1667667C3E}"/>
+              </a:ext>
+            </a:extLst>
+          </p:cNvPr>
+          <p:cNvSpPr txBox="1">
+            <a:spLocks noChangeArrowheads="1"/>
+          </p:cNvSpPr>
+          <p:nvPr/>
+        </p:nvSpPr>
+        <p:spPr bwMode="auto">
+          <a:xfrm>
+            <a:off x="9254611" y="6132299"/>
+            <a:ext cx="1095172" cy="338554"/>
+          </a:xfrm>
+          <a:prstGeom prst="rect">
+            <a:avLst/>
+          </a:prstGeom>
+          <a:solidFill>
+            <a:schemeClr val="bg1"/>
+          </a:solidFill>
+          <a:ln w="9525">
+            <a:solidFill>
+              <a:schemeClr val="tx1"/>
+            </a:solidFill>
+            <a:miter lim="800000"/>
+            <a:headEnd/>
+            <a:tailEnd/>
+          </a:ln>
+          <a:effectLst>
+            <a:outerShdw blurRad="50800" dist="38100" dir="2700000" algn="tl" rotWithShape="0">
+              <a:prstClr val="black">
+                <a:alpha val="40000"/>
+              </a:prstClr>
+            </a:outerShdw>
+          </a:effectLst>
+        </p:spPr>
+        <p:txBody>
+          <a:bodyPr wrap="none" lIns="91440" tIns="45720" rIns="91440" bIns="45720" anchor="t">
+            <a:spAutoFit/>
+          </a:bodyPr>
+          <a:lstStyle>
+            <a:lvl1pPr>
+              <a:defRPr sz="1000">
+                <a:solidFill>
+                  <a:schemeClr val="tx1"/>
+                </a:solidFill>
+                <a:latin typeface="Arial" charset="0"/>
+              </a:defRPr>
+            </a:lvl1pPr>
+            <a:lvl2pPr marL="742950" indent="-285750">
+              <a:defRPr sz="1000">
+                <a:solidFill>
+                  <a:schemeClr val="tx1"/>
+                </a:solidFill>
+                <a:latin typeface="Arial" charset="0"/>
+              </a:defRPr>
+            </a:lvl2pPr>
+            <a:lvl3pPr marL="1143000" indent="-228600">
+              <a:defRPr sz="1000">
+                <a:solidFill>
+                  <a:schemeClr val="tx1"/>
+                </a:solidFill>
+                <a:latin typeface="Arial" charset="0"/>
+              </a:defRPr>
+            </a:lvl3pPr>
+            <a:lvl4pPr marL="1600200" indent="-228600">
+              <a:defRPr sz="1000">
+                <a:solidFill>
+                  <a:schemeClr val="tx1"/>
+                </a:solidFill>
+                <a:latin typeface="Arial" charset="0"/>
+              </a:defRPr>
+            </a:lvl4pPr>
+            <a:lvl5pPr marL="2057400" indent="-228600">
+              <a:defRPr sz="1000">
+                <a:solidFill>
+                  <a:schemeClr val="tx1"/>
+                </a:solidFill>
+                <a:latin typeface="Arial" charset="0"/>
+              </a:defRPr>
+            </a:lvl5pPr>
+            <a:lvl6pPr marL="2514600" indent="-228600" eaLnBrk="0" fontAlgn="base" hangingPunct="0">
+              <a:spcBef>
+                <a:spcPct val="50000"/>
+              </a:spcBef>
+              <a:spcAft>
+                <a:spcPct val="0"/>
+              </a:spcAft>
+              <a:defRPr sz="1000">
+                <a:solidFill>
+                  <a:schemeClr val="tx1"/>
+                </a:solidFill>
+                <a:latin typeface="Arial" charset="0"/>
+              </a:defRPr>
+            </a:lvl6pPr>
+            <a:lvl7pPr marL="2971800" indent="-228600" eaLnBrk="0" fontAlgn="base" hangingPunct="0">
+              <a:spcBef>
+                <a:spcPct val="50000"/>
+              </a:spcBef>
+              <a:spcAft>
+                <a:spcPct val="0"/>
+              </a:spcAft>
+              <a:defRPr sz="1000">
+                <a:solidFill>
+                  <a:schemeClr val="tx1"/>
+                </a:solidFill>
+                <a:latin typeface="Arial" charset="0"/>
+              </a:defRPr>
+            </a:lvl7pPr>
+            <a:lvl8pPr marL="3429000" indent="-228600" eaLnBrk="0" fontAlgn="base" hangingPunct="0">
+              <a:spcBef>
+                <a:spcPct val="50000"/>
+              </a:spcBef>
+              <a:spcAft>
+                <a:spcPct val="0"/>
+              </a:spcAft>
+              <a:defRPr sz="1000">
+                <a:solidFill>
+                  <a:schemeClr val="tx1"/>
+                </a:solidFill>
+                <a:latin typeface="Arial" charset="0"/>
+              </a:defRPr>
+            </a:lvl8pPr>
+            <a:lvl9pPr marL="3886200" indent="-228600" eaLnBrk="0" fontAlgn="base" hangingPunct="0">
+              <a:spcBef>
+                <a:spcPct val="50000"/>
+              </a:spcBef>
+              <a:spcAft>
+                <a:spcPct val="0"/>
+              </a:spcAft>
+              <a:defRPr sz="1000">
+                <a:solidFill>
+                  <a:schemeClr val="tx1"/>
+                </a:solidFill>
+                <a:latin typeface="Arial" charset="0"/>
+              </a:defRPr>
+            </a:lvl9pPr>
+          </a:lstStyle>
+          <a:p>
+            <a:r>
+              <a:rPr lang="en-GB" sz="1600" i="1" dirty="0"/>
+              <a:t>Dictionary</a:t>
+            </a:r>
+          </a:p>
+        </p:txBody>
+      </p:sp>
+      <p:sp>
+        <p:nvSpPr>
+          <p:cNvPr id="4" name="Line 13">
+            <a:extLst>
+              <a:ext uri="{FF2B5EF4-FFF2-40B4-BE49-F238E27FC236}">
+                <a16:creationId xmlns:a16="http://schemas.microsoft.com/office/drawing/2014/main" id="{176F240A-FF65-9BEB-E5D8-A515D4DAB47F}"/>
+              </a:ext>
+            </a:extLst>
+          </p:cNvPr>
           <p:cNvSpPr>
             <a:spLocks noChangeShapeType="1"/>
           </p:cNvSpPr>
           <p:nvPr/>
         </p:nvSpPr>
         <p:spPr bwMode="auto">
-          <a:xfrm>
-            <a:off x="7716170" y="5997192"/>
-            <a:ext cx="0" cy="469900"/>
+          <a:xfrm flipH="1" flipV="1">
+            <a:off x="8813379" y="6301576"/>
+            <a:ext cx="441231" cy="0"/>
           </a:xfrm>
           <a:prstGeom prst="line">
             <a:avLst/>
@@ -38146,14 +38215,14 @@
           </a:ln>
           <a:extLst>
             <a:ext uri="{909E8E84-426E-40dd-AFC4-6F175D3DCCD1}">
-              <a14:hiddenFill xmlns:a14="http://schemas.microsoft.com/office/drawing/2010/main" xmlns="">
+              <a14:hiddenFill xmlns="" xmlns:a14="http://schemas.microsoft.com/office/drawing/2010/main">
                 <a:noFill/>
               </a14:hiddenFill>
             </a:ext>
           </a:extLst>
         </p:spPr>
         <p:txBody>
-          <a:bodyPr>
+          <a:bodyPr wrap="square">
             <a:spAutoFit/>
           </a:bodyPr>
           <a:lstStyle/>
@@ -38230,10 +38299,6 @@
           <a:bodyPr/>
           <a:lstStyle/>
           <a:p>
-            <a:pPr marL="342900" indent="-342900">
-              <a:buFont typeface="Arial" panose="020B0604020202020204" pitchFamily="34" charset="0"/>
-              <a:buChar char="•"/>
-            </a:pPr>
             <a:r>
               <a:rPr lang="en-GB" b="1" dirty="0"/>
               <a:t>Generating lists in memory can be an overhead</a:t>
@@ -38245,7 +38310,7 @@
               <a:buChar char="•"/>
             </a:pPr>
             <a:r>
-              <a:rPr lang="en-GB" dirty="0"/>
+              <a:rPr lang="en-GB" sz="1800" dirty="0"/>
               <a:t>How big is a list?  </a:t>
             </a:r>
           </a:p>
@@ -38255,15 +38320,11 @@
               <a:buChar char="•"/>
             </a:pPr>
             <a:r>
-              <a:rPr lang="en-GB" dirty="0"/>
+              <a:rPr lang="en-GB" sz="1800" dirty="0"/>
               <a:t>What about sequences that have no end?</a:t>
             </a:r>
           </a:p>
           <a:p>
-            <a:pPr marL="342900" indent="-342900">
-              <a:buFont typeface="Arial" panose="020B0604020202020204" pitchFamily="34" charset="0"/>
-              <a:buChar char="•"/>
-            </a:pPr>
             <a:r>
               <a:rPr lang="en-GB" b="1" dirty="0"/>
               <a:t>Lazy lists only return a value when it is needed</a:t>
@@ -38275,15 +38336,11 @@
               <a:buChar char="•"/>
             </a:pPr>
             <a:r>
-              <a:rPr lang="en-GB" dirty="0"/>
+              <a:rPr lang="en-GB" sz="1800" dirty="0"/>
               <a:t>One item at a time, as and when required</a:t>
             </a:r>
           </a:p>
           <a:p>
-            <a:pPr marL="342900" indent="-342900">
-              <a:buFont typeface="Arial" panose="020B0604020202020204" pitchFamily="34" charset="0"/>
-              <a:buChar char="•"/>
-            </a:pPr>
             <a:r>
               <a:rPr lang="en-GB" b="1" dirty="0"/>
               <a:t>Particularly suitable when iterators are used</a:t>
@@ -38295,15 +38352,11 @@
               <a:buChar char="•"/>
             </a:pPr>
             <a:r>
-              <a:rPr lang="en-GB" dirty="0"/>
+              <a:rPr lang="en-GB" sz="1800" dirty="0"/>
               <a:t>An iterator function returns items one at a time</a:t>
             </a:r>
           </a:p>
           <a:p>
-            <a:pPr marL="342900" indent="-342900">
-              <a:buFont typeface="Arial" panose="020B0604020202020204" pitchFamily="34" charset="0"/>
-              <a:buChar char="•"/>
-            </a:pPr>
             <a:r>
               <a:rPr lang="en-GB" b="1" dirty="0"/>
               <a:t>Many Python 3 functions return iterators rather than lists</a:t>
@@ -38315,12 +38368,8 @@
               <a:buChar char="•"/>
             </a:pPr>
             <a:r>
-              <a:rPr lang="en-GB" sz="2400" dirty="0"/>
-              <a:t>ma</a:t>
-            </a:r>
-            <a:r>
-              <a:rPr lang="en-GB" dirty="0"/>
-              <a:t>p(), filter(), range(), reversed(), zip(), and so on</a:t>
+              <a:rPr lang="en-GB" sz="1800" dirty="0"/>
+              <a:t>map(), filter(), range(), reversed(), zip(), and so on</a:t>
             </a:r>
           </a:p>
         </p:txBody>
@@ -38380,242 +38429,6 @@
       </p:sp>
       <p:sp>
         <p:nvSpPr>
-          <p:cNvPr id="9219" name="Rectangle 3"/>
-          <p:cNvSpPr>
-            <a:spLocks noGrp="1" noChangeArrowheads="1"/>
-          </p:cNvSpPr>
-          <p:nvPr>
-            <p:ph idx="1"/>
-          </p:nvPr>
-        </p:nvSpPr>
-        <p:spPr/>
-        <p:txBody>
-          <a:bodyPr/>
-          <a:lstStyle/>
-          <a:p>
-            <a:r>
-              <a:rPr lang="en-GB" b="1" dirty="0"/>
-              <a:t>Generator functions are a special kind of function that return a lazy iterator</a:t>
-            </a:r>
-            <a:r>
-              <a:rPr lang="en-GB" dirty="0"/>
-              <a:t>. </a:t>
-            </a:r>
-          </a:p>
-          <a:p>
-            <a:pPr marL="342900" indent="-342900">
-              <a:buFont typeface="Arial" panose="020B0604020202020204" pitchFamily="34" charset="0"/>
-              <a:buChar char="•"/>
-            </a:pPr>
-            <a:r>
-              <a:rPr lang="en-GB" dirty="0"/>
-              <a:t>These are objects that you can loop over like a list. </a:t>
-            </a:r>
-          </a:p>
-          <a:p>
-            <a:pPr marL="342900" indent="-342900">
-              <a:buFont typeface="Arial" panose="020B0604020202020204" pitchFamily="34" charset="0"/>
-              <a:buChar char="•"/>
-            </a:pPr>
-            <a:r>
-              <a:rPr lang="en-GB" dirty="0"/>
-              <a:t>Unlike lists, lazy iterators do not store their contents in memory.</a:t>
-            </a:r>
-          </a:p>
-          <a:p>
-            <a:pPr marL="88900" lvl="2" indent="0">
-              <a:buNone/>
-            </a:pPr>
-            <a:endParaRPr lang="en-GB" dirty="0"/>
-          </a:p>
-          <a:p>
-            <a:pPr marL="88900" lvl="2" indent="0">
-              <a:buNone/>
-            </a:pPr>
-            <a:r>
-              <a:rPr lang="en-GB" b="1" dirty="0"/>
-              <a:t>Example 1 – Reading large files</a:t>
-            </a:r>
-          </a:p>
-          <a:p>
-            <a:pPr marL="88900" lvl="2" indent="0">
-              <a:buNone/>
-            </a:pPr>
-            <a:r>
-              <a:rPr lang="en-GB" dirty="0"/>
-              <a:t>Used to read through large files a row at a time where the file would be too big for memory</a:t>
-            </a:r>
-          </a:p>
-          <a:p>
-            <a:pPr marL="88900" lvl="2" indent="0">
-              <a:buNone/>
-            </a:pPr>
-            <a:endParaRPr lang="en-GB" dirty="0"/>
-          </a:p>
-          <a:p>
-            <a:pPr marL="914400" lvl="2" indent="0">
-              <a:buNone/>
-            </a:pPr>
-            <a:endParaRPr lang="en-GB" dirty="0"/>
-          </a:p>
-          <a:p>
-            <a:pPr marL="914400" lvl="2" indent="0">
-              <a:buNone/>
-            </a:pPr>
-            <a:endParaRPr lang="en-GB" dirty="0"/>
-          </a:p>
-        </p:txBody>
-      </p:sp>
-      <p:sp>
-        <p:nvSpPr>
-          <p:cNvPr id="9221" name="Text Box 5"/>
-          <p:cNvSpPr txBox="1">
-            <a:spLocks noChangeArrowheads="1"/>
-          </p:cNvSpPr>
-          <p:nvPr/>
-        </p:nvSpPr>
-        <p:spPr bwMode="auto">
-          <a:xfrm>
-            <a:off x="5704583" y="5263615"/>
-            <a:ext cx="3166040" cy="369332"/>
-          </a:xfrm>
-          <a:prstGeom prst="rect">
-            <a:avLst/>
-          </a:prstGeom>
-          <a:solidFill>
-            <a:schemeClr val="tx2">
-              <a:lumMod val="20000"/>
-              <a:lumOff val="80000"/>
-            </a:schemeClr>
-          </a:solidFill>
-          <a:ln w="9525">
-            <a:solidFill>
-              <a:schemeClr val="tx1"/>
-            </a:solidFill>
-            <a:miter lim="800000"/>
-            <a:headEnd/>
-            <a:tailEnd/>
-          </a:ln>
-        </p:spPr>
-        <p:txBody>
-          <a:bodyPr wrap="square">
-            <a:spAutoFit/>
-          </a:bodyPr>
-          <a:lstStyle>
-            <a:lvl1pPr>
-              <a:defRPr sz="1000">
-                <a:solidFill>
-                  <a:schemeClr val="tx1"/>
-                </a:solidFill>
-                <a:latin typeface="Arial" charset="0"/>
-              </a:defRPr>
-            </a:lvl1pPr>
-            <a:lvl2pPr marL="742950" indent="-285750">
-              <a:defRPr sz="1000">
-                <a:solidFill>
-                  <a:schemeClr val="tx1"/>
-                </a:solidFill>
-                <a:latin typeface="Arial" charset="0"/>
-              </a:defRPr>
-            </a:lvl2pPr>
-            <a:lvl3pPr marL="1143000" indent="-228600">
-              <a:defRPr sz="1000">
-                <a:solidFill>
-                  <a:schemeClr val="tx1"/>
-                </a:solidFill>
-                <a:latin typeface="Arial" charset="0"/>
-              </a:defRPr>
-            </a:lvl3pPr>
-            <a:lvl4pPr marL="1600200" indent="-228600">
-              <a:defRPr sz="1000">
-                <a:solidFill>
-                  <a:schemeClr val="tx1"/>
-                </a:solidFill>
-                <a:latin typeface="Arial" charset="0"/>
-              </a:defRPr>
-            </a:lvl4pPr>
-            <a:lvl5pPr marL="2057400" indent="-228600">
-              <a:defRPr sz="1000">
-                <a:solidFill>
-                  <a:schemeClr val="tx1"/>
-                </a:solidFill>
-                <a:latin typeface="Arial" charset="0"/>
-              </a:defRPr>
-            </a:lvl5pPr>
-            <a:lvl6pPr marL="2514600" indent="-228600" eaLnBrk="0" fontAlgn="base" hangingPunct="0">
-              <a:spcBef>
-                <a:spcPct val="50000"/>
-              </a:spcBef>
-              <a:spcAft>
-                <a:spcPct val="0"/>
-              </a:spcAft>
-              <a:defRPr sz="1000">
-                <a:solidFill>
-                  <a:schemeClr val="tx1"/>
-                </a:solidFill>
-                <a:latin typeface="Arial" charset="0"/>
-              </a:defRPr>
-            </a:lvl6pPr>
-            <a:lvl7pPr marL="2971800" indent="-228600" eaLnBrk="0" fontAlgn="base" hangingPunct="0">
-              <a:spcBef>
-                <a:spcPct val="50000"/>
-              </a:spcBef>
-              <a:spcAft>
-                <a:spcPct val="0"/>
-              </a:spcAft>
-              <a:defRPr sz="1000">
-                <a:solidFill>
-                  <a:schemeClr val="tx1"/>
-                </a:solidFill>
-                <a:latin typeface="Arial" charset="0"/>
-              </a:defRPr>
-            </a:lvl7pPr>
-            <a:lvl8pPr marL="3429000" indent="-228600" eaLnBrk="0" fontAlgn="base" hangingPunct="0">
-              <a:spcBef>
-                <a:spcPct val="50000"/>
-              </a:spcBef>
-              <a:spcAft>
-                <a:spcPct val="0"/>
-              </a:spcAft>
-              <a:defRPr sz="1000">
-                <a:solidFill>
-                  <a:schemeClr val="tx1"/>
-                </a:solidFill>
-                <a:latin typeface="Arial" charset="0"/>
-              </a:defRPr>
-            </a:lvl8pPr>
-            <a:lvl9pPr marL="3886200" indent="-228600" eaLnBrk="0" fontAlgn="base" hangingPunct="0">
-              <a:spcBef>
-                <a:spcPct val="50000"/>
-              </a:spcBef>
-              <a:spcAft>
-                <a:spcPct val="0"/>
-              </a:spcAft>
-              <a:defRPr sz="1000">
-                <a:solidFill>
-                  <a:schemeClr val="tx1"/>
-                </a:solidFill>
-                <a:latin typeface="Arial" charset="0"/>
-              </a:defRPr>
-            </a:lvl9pPr>
-          </a:lstStyle>
-          <a:p>
-            <a:pPr>
-              <a:spcBef>
-                <a:spcPct val="0"/>
-              </a:spcBef>
-            </a:pPr>
-            <a:r>
-              <a:rPr lang="en-GB" sz="1800" dirty="0">
-                <a:latin typeface="Courier New" panose="02070309020205020404" pitchFamily="49" charset="0"/>
-              </a:rPr>
-              <a:t>Row count is 64186394</a:t>
-            </a:r>
-          </a:p>
-        </p:txBody>
-      </p:sp>
-      <p:sp>
-        <p:nvSpPr>
           <p:cNvPr id="4" name="Text Box 4">
             <a:extLst>
               <a:ext uri="{FF2B5EF4-FFF2-40B4-BE49-F238E27FC236}">
@@ -38630,7 +38443,7 @@
         </p:nvSpPr>
         <p:spPr bwMode="auto">
           <a:xfrm>
-            <a:off x="1782067" y="3944993"/>
+            <a:off x="822511" y="3746000"/>
             <a:ext cx="5978525" cy="1200329"/>
           </a:xfrm>
           <a:prstGeom prst="rect">
@@ -38650,6 +38463,13 @@
             <a:headEnd/>
             <a:tailEnd/>
           </a:ln>
+          <a:effectLst>
+            <a:outerShdw blurRad="50800" dist="38100" dir="2700000" algn="tl" rotWithShape="0">
+              <a:prstClr val="black">
+                <a:alpha val="40000"/>
+              </a:prstClr>
+            </a:outerShdw>
+          </a:effectLst>
         </p:spPr>
         <p:txBody>
           <a:bodyPr>
@@ -38870,6 +38690,255 @@
             <a:endParaRPr lang="en-GB" sz="1800" dirty="0">
               <a:latin typeface="Courier New" panose="02070309020205020404" pitchFamily="49" charset="0"/>
             </a:endParaRPr>
+          </a:p>
+        </p:txBody>
+      </p:sp>
+      <p:sp>
+        <p:nvSpPr>
+          <p:cNvPr id="9219" name="Rectangle 3"/>
+          <p:cNvSpPr>
+            <a:spLocks noGrp="1" noChangeArrowheads="1"/>
+          </p:cNvSpPr>
+          <p:nvPr>
+            <p:ph idx="1"/>
+          </p:nvPr>
+        </p:nvSpPr>
+        <p:spPr>
+          <a:xfrm>
+            <a:off x="341272" y="1368256"/>
+            <a:ext cx="11516239" cy="2507970"/>
+          </a:xfrm>
+        </p:spPr>
+        <p:txBody>
+          <a:bodyPr/>
+          <a:lstStyle/>
+          <a:p>
+            <a:r>
+              <a:rPr lang="en-GB" b="1" dirty="0"/>
+              <a:t>Generator functions are a special kind of function that return a lazy iterator</a:t>
+            </a:r>
+            <a:r>
+              <a:rPr lang="en-GB" dirty="0"/>
+              <a:t>. </a:t>
+            </a:r>
+          </a:p>
+          <a:p>
+            <a:pPr marL="450850" indent="-269875">
+              <a:buFont typeface="Arial" panose="020B0604020202020204" pitchFamily="34" charset="0"/>
+              <a:buChar char="•"/>
+            </a:pPr>
+            <a:r>
+              <a:rPr lang="en-GB" sz="1800" dirty="0"/>
+              <a:t>These are objects that you can loop over like a list. </a:t>
+            </a:r>
+          </a:p>
+          <a:p>
+            <a:pPr marL="450850" indent="-269875">
+              <a:buFont typeface="Arial" panose="020B0604020202020204" pitchFamily="34" charset="0"/>
+              <a:buChar char="•"/>
+            </a:pPr>
+            <a:r>
+              <a:rPr lang="en-GB" sz="1800" dirty="0"/>
+              <a:t>Unlike lists, lazy iterators do not store their contents in memory.</a:t>
+            </a:r>
+          </a:p>
+          <a:p>
+            <a:pPr marL="88900" lvl="2" indent="0">
+              <a:buNone/>
+            </a:pPr>
+            <a:endParaRPr lang="en-GB" dirty="0"/>
+          </a:p>
+          <a:p>
+            <a:pPr marL="88900" lvl="2" indent="0">
+              <a:buNone/>
+            </a:pPr>
+            <a:r>
+              <a:rPr lang="en-GB" b="1" dirty="0"/>
+              <a:t>Example 1 – Reading large files</a:t>
+            </a:r>
+          </a:p>
+          <a:p>
+            <a:pPr marL="450850" lvl="2" indent="-269875">
+              <a:buFont typeface="Arial" panose="020B0604020202020204" pitchFamily="34" charset="0"/>
+              <a:buChar char="•"/>
+            </a:pPr>
+            <a:r>
+              <a:rPr lang="en-GB" sz="1800" dirty="0"/>
+              <a:t>Used to read through large files a row at a time where the file would be too big for memory</a:t>
+            </a:r>
+          </a:p>
+          <a:p>
+            <a:pPr marL="88900" lvl="2" indent="0">
+              <a:buNone/>
+            </a:pPr>
+            <a:endParaRPr lang="en-GB" dirty="0"/>
+          </a:p>
+          <a:p>
+            <a:pPr marL="914400" lvl="2" indent="0">
+              <a:buNone/>
+            </a:pPr>
+            <a:endParaRPr lang="en-GB" dirty="0"/>
+          </a:p>
+          <a:p>
+            <a:pPr marL="914400" lvl="2" indent="0">
+              <a:buNone/>
+            </a:pPr>
+            <a:endParaRPr lang="en-GB" dirty="0"/>
+          </a:p>
+        </p:txBody>
+      </p:sp>
+      <p:sp>
+        <p:nvSpPr>
+          <p:cNvPr id="9221" name="Text Box 5"/>
+          <p:cNvSpPr txBox="1">
+            <a:spLocks noChangeArrowheads="1"/>
+          </p:cNvSpPr>
+          <p:nvPr/>
+        </p:nvSpPr>
+        <p:spPr bwMode="auto">
+          <a:xfrm>
+            <a:off x="4846627" y="4761663"/>
+            <a:ext cx="3166040" cy="369332"/>
+          </a:xfrm>
+          <a:prstGeom prst="rect">
+            <a:avLst/>
+          </a:prstGeom>
+          <a:solidFill>
+            <a:schemeClr val="tx2">
+              <a:lumMod val="60000"/>
+              <a:lumOff val="40000"/>
+            </a:schemeClr>
+          </a:solidFill>
+          <a:ln w="9525">
+            <a:solidFill>
+              <a:schemeClr val="tx1"/>
+            </a:solidFill>
+            <a:miter lim="800000"/>
+            <a:headEnd/>
+            <a:tailEnd/>
+          </a:ln>
+          <a:effectLst>
+            <a:outerShdw blurRad="50800" dist="38100" dir="2700000" algn="tl" rotWithShape="0">
+              <a:prstClr val="black">
+                <a:alpha val="40000"/>
+              </a:prstClr>
+            </a:outerShdw>
+          </a:effectLst>
+        </p:spPr>
+        <p:txBody>
+          <a:bodyPr wrap="square">
+            <a:spAutoFit/>
+          </a:bodyPr>
+          <a:lstStyle>
+            <a:lvl1pPr>
+              <a:defRPr sz="1000">
+                <a:solidFill>
+                  <a:schemeClr val="tx1"/>
+                </a:solidFill>
+                <a:latin typeface="Arial" charset="0"/>
+              </a:defRPr>
+            </a:lvl1pPr>
+            <a:lvl2pPr marL="742950" indent="-285750">
+              <a:defRPr sz="1000">
+                <a:solidFill>
+                  <a:schemeClr val="tx1"/>
+                </a:solidFill>
+                <a:latin typeface="Arial" charset="0"/>
+              </a:defRPr>
+            </a:lvl2pPr>
+            <a:lvl3pPr marL="1143000" indent="-228600">
+              <a:defRPr sz="1000">
+                <a:solidFill>
+                  <a:schemeClr val="tx1"/>
+                </a:solidFill>
+                <a:latin typeface="Arial" charset="0"/>
+              </a:defRPr>
+            </a:lvl3pPr>
+            <a:lvl4pPr marL="1600200" indent="-228600">
+              <a:defRPr sz="1000">
+                <a:solidFill>
+                  <a:schemeClr val="tx1"/>
+                </a:solidFill>
+                <a:latin typeface="Arial" charset="0"/>
+              </a:defRPr>
+            </a:lvl4pPr>
+            <a:lvl5pPr marL="2057400" indent="-228600">
+              <a:defRPr sz="1000">
+                <a:solidFill>
+                  <a:schemeClr val="tx1"/>
+                </a:solidFill>
+                <a:latin typeface="Arial" charset="0"/>
+              </a:defRPr>
+            </a:lvl5pPr>
+            <a:lvl6pPr marL="2514600" indent="-228600" eaLnBrk="0" fontAlgn="base" hangingPunct="0">
+              <a:spcBef>
+                <a:spcPct val="50000"/>
+              </a:spcBef>
+              <a:spcAft>
+                <a:spcPct val="0"/>
+              </a:spcAft>
+              <a:defRPr sz="1000">
+                <a:solidFill>
+                  <a:schemeClr val="tx1"/>
+                </a:solidFill>
+                <a:latin typeface="Arial" charset="0"/>
+              </a:defRPr>
+            </a:lvl6pPr>
+            <a:lvl7pPr marL="2971800" indent="-228600" eaLnBrk="0" fontAlgn="base" hangingPunct="0">
+              <a:spcBef>
+                <a:spcPct val="50000"/>
+              </a:spcBef>
+              <a:spcAft>
+                <a:spcPct val="0"/>
+              </a:spcAft>
+              <a:defRPr sz="1000">
+                <a:solidFill>
+                  <a:schemeClr val="tx1"/>
+                </a:solidFill>
+                <a:latin typeface="Arial" charset="0"/>
+              </a:defRPr>
+            </a:lvl7pPr>
+            <a:lvl8pPr marL="3429000" indent="-228600" eaLnBrk="0" fontAlgn="base" hangingPunct="0">
+              <a:spcBef>
+                <a:spcPct val="50000"/>
+              </a:spcBef>
+              <a:spcAft>
+                <a:spcPct val="0"/>
+              </a:spcAft>
+              <a:defRPr sz="1000">
+                <a:solidFill>
+                  <a:schemeClr val="tx1"/>
+                </a:solidFill>
+                <a:latin typeface="Arial" charset="0"/>
+              </a:defRPr>
+            </a:lvl8pPr>
+            <a:lvl9pPr marL="3886200" indent="-228600" eaLnBrk="0" fontAlgn="base" hangingPunct="0">
+              <a:spcBef>
+                <a:spcPct val="50000"/>
+              </a:spcBef>
+              <a:spcAft>
+                <a:spcPct val="0"/>
+              </a:spcAft>
+              <a:defRPr sz="1000">
+                <a:solidFill>
+                  <a:schemeClr val="tx1"/>
+                </a:solidFill>
+                <a:latin typeface="Arial" charset="0"/>
+              </a:defRPr>
+            </a:lvl9pPr>
+          </a:lstStyle>
+          <a:p>
+            <a:pPr>
+              <a:spcBef>
+                <a:spcPct val="0"/>
+              </a:spcBef>
+            </a:pPr>
+            <a:r>
+              <a:rPr lang="en-GB" sz="1800" dirty="0">
+                <a:latin typeface="Courier New" panose="02070309020205020404" pitchFamily="49" charset="0"/>
+              </a:rPr>
+              <a:t>Row count is 64186394</a:t>
+            </a:r>
           </a:p>
         </p:txBody>
       </p:sp>
@@ -38950,30 +39019,13 @@
             </a:r>
           </a:p>
           <a:p>
-            <a:pPr marL="88900" lvl="2" indent="0">
-              <a:buNone/>
+            <a:pPr marL="450850" lvl="2" indent="-269875">
+              <a:buFont typeface="Arial" panose="020B0604020202020204" pitchFamily="34" charset="0"/>
+              <a:buChar char="•"/>
             </a:pPr>
             <a:r>
-              <a:rPr lang="en-GB" dirty="0"/>
+              <a:rPr lang="en-GB" sz="1800" dirty="0"/>
               <a:t>Used to read through large files a row at a time where the file would be too big for memory</a:t>
-            </a:r>
-          </a:p>
-          <a:p>
-            <a:pPr marL="88900" lvl="2" indent="0">
-              <a:buNone/>
-            </a:pPr>
-            <a:r>
-              <a:rPr lang="en-GB" dirty="0"/>
-              <a:t>				    If this is run, the program will never end and will need to be </a:t>
-            </a:r>
-          </a:p>
-          <a:p>
-            <a:pPr marL="88900" lvl="2" indent="0">
-              <a:buNone/>
-            </a:pPr>
-            <a:r>
-              <a:rPr lang="en-GB" dirty="0"/>
-              <a:t>				    cancelled by a keyboard interrupt </a:t>
             </a:r>
           </a:p>
           <a:p>
@@ -38998,8 +39050,37 @@
             <a:pPr marL="88900" lvl="2" indent="0">
               <a:buNone/>
             </a:pPr>
-            <a:r>
-              <a:rPr lang="en-GB" dirty="0"/>
+            <a:endParaRPr lang="en-GB" dirty="0"/>
+          </a:p>
+          <a:p>
+            <a:pPr marL="450850" lvl="2" indent="-269875">
+              <a:buFont typeface="Arial" panose="020B0604020202020204" pitchFamily="34" charset="0"/>
+              <a:buChar char="•"/>
+            </a:pPr>
+            <a:r>
+              <a:rPr lang="en-GB" sz="1800" dirty="0"/>
+              <a:t>If this is run, the program will never end and will need to be cancelled by a keyboard interrupt </a:t>
+            </a:r>
+          </a:p>
+          <a:p>
+            <a:pPr marL="88900" lvl="2" indent="0">
+              <a:buNone/>
+            </a:pPr>
+            <a:endParaRPr lang="en-GB" dirty="0"/>
+          </a:p>
+          <a:p>
+            <a:pPr marL="88900" lvl="2" indent="0">
+              <a:buNone/>
+            </a:pPr>
+            <a:endParaRPr lang="en-GB" dirty="0"/>
+          </a:p>
+          <a:p>
+            <a:pPr marL="450850" lvl="2" indent="-269875">
+              <a:buFont typeface="Arial" panose="020B0604020202020204" pitchFamily="34" charset="0"/>
+              <a:buChar char="•"/>
+            </a:pPr>
+            <a:r>
+              <a:rPr lang="en-GB" sz="1800" dirty="0"/>
               <a:t>Creating a generator means you can create resources as needed, excellent for data analysis</a:t>
             </a:r>
           </a:p>
@@ -39027,7 +39108,7 @@
         </p:nvSpPr>
         <p:spPr bwMode="auto">
           <a:xfrm>
-            <a:off x="4922158" y="3301420"/>
+            <a:off x="831396" y="4156087"/>
             <a:ext cx="4240695" cy="646331"/>
           </a:xfrm>
           <a:prstGeom prst="rect">
@@ -39047,6 +39128,13 @@
             <a:headEnd/>
             <a:tailEnd/>
           </a:ln>
+          <a:effectLst>
+            <a:outerShdw blurRad="50800" dist="38100" dir="2700000" algn="tl" rotWithShape="0">
+              <a:prstClr val="black">
+                <a:alpha val="40000"/>
+              </a:prstClr>
+            </a:outerShdw>
+          </a:effectLst>
         </p:spPr>
         <p:txBody>
           <a:bodyPr wrap="square">
@@ -39230,8 +39318,8 @@
         </p:nvSpPr>
         <p:spPr bwMode="auto">
           <a:xfrm>
-            <a:off x="434035" y="2551837"/>
-            <a:ext cx="3600638" cy="1754326"/>
+            <a:off x="831396" y="2091607"/>
+            <a:ext cx="3600638" cy="1477328"/>
           </a:xfrm>
           <a:prstGeom prst="rect">
             <a:avLst/>
@@ -39250,6 +39338,13 @@
             <a:headEnd/>
             <a:tailEnd/>
           </a:ln>
+          <a:effectLst>
+            <a:outerShdw blurRad="50800" dist="38100" dir="2700000" algn="tl" rotWithShape="0">
+              <a:prstClr val="black">
+                <a:alpha val="40000"/>
+              </a:prstClr>
+            </a:outerShdw>
+          </a:effectLst>
         </p:spPr>
         <p:txBody>
           <a:bodyPr wrap="square">
@@ -39484,16 +39579,6 @@
               </a:rPr>
               <a:t>        num += 1</a:t>
             </a:r>
-          </a:p>
-          <a:p>
-            <a:pPr>
-              <a:spcBef>
-                <a:spcPct val="0"/>
-              </a:spcBef>
-            </a:pPr>
-            <a:endParaRPr lang="en-GB" sz="1800" dirty="0">
-              <a:latin typeface="Courier New" panose="02070309020205020404" pitchFamily="49" charset="0"/>
-            </a:endParaRPr>
           </a:p>
         </p:txBody>
       </p:sp>
@@ -39513,7 +39598,7 @@
         </p:nvSpPr>
         <p:spPr bwMode="auto">
           <a:xfrm>
-            <a:off x="2801810" y="5146256"/>
+            <a:off x="831395" y="5239848"/>
             <a:ext cx="4240695" cy="646331"/>
           </a:xfrm>
           <a:prstGeom prst="rect">
@@ -39533,6 +39618,13 @@
             <a:headEnd/>
             <a:tailEnd/>
           </a:ln>
+          <a:effectLst>
+            <a:outerShdw blurRad="50800" dist="38100" dir="2700000" algn="tl" rotWithShape="0">
+              <a:prstClr val="black">
+                <a:alpha val="40000"/>
+              </a:prstClr>
+            </a:outerShdw>
+          </a:effectLst>
         </p:spPr>
         <p:txBody>
           <a:bodyPr wrap="square">
@@ -39744,58 +39836,57 @@
           <a:bodyPr/>
           <a:lstStyle/>
           <a:p>
+            <a:pPr marL="88900" lvl="1" indent="0">
+              <a:buNone/>
+            </a:pPr>
+            <a:r>
+              <a:rPr lang="en-GB" b="1" dirty="0"/>
+              <a:t>A lazy list item is returned at the </a:t>
+            </a:r>
+            <a:r>
+              <a:rPr lang="en-GB" b="1" dirty="0">
+                <a:latin typeface="Courier New" panose="02070309020205020404" pitchFamily="49" charset="0"/>
+              </a:rPr>
+              <a:t>yield</a:t>
+            </a:r>
+            <a:r>
+              <a:rPr lang="en-GB" b="1" dirty="0"/>
+              <a:t>  statement</a:t>
+            </a:r>
+          </a:p>
+          <a:p>
+            <a:pPr lvl="1"/>
+            <a:endParaRPr lang="en-GB" dirty="0"/>
+          </a:p>
+          <a:p>
+            <a:pPr lvl="2"/>
+            <a:endParaRPr lang="en-GB" dirty="0"/>
+          </a:p>
+          <a:p>
+            <a:pPr marL="914400" lvl="2" indent="0">
+              <a:buNone/>
+            </a:pPr>
+            <a:endParaRPr lang="en-GB" dirty="0"/>
+          </a:p>
+          <a:p>
+            <a:pPr marL="914400" lvl="2" indent="0">
+              <a:buNone/>
+            </a:pPr>
+            <a:endParaRPr lang="en-GB" dirty="0"/>
+          </a:p>
+          <a:p>
+            <a:pPr marL="914400" lvl="2" indent="0">
+              <a:buNone/>
+            </a:pPr>
+            <a:endParaRPr lang="en-GB" dirty="0"/>
+          </a:p>
+          <a:p>
             <a:pPr lvl="1">
               <a:buFont typeface="Arial" panose="020B0604020202020204" pitchFamily="34" charset="0"/>
               <a:buChar char="•"/>
             </a:pPr>
             <a:r>
-              <a:rPr lang="en-GB" dirty="0"/>
-              <a:t>A lazy list item is returned at the </a:t>
-            </a:r>
-            <a:r>
-              <a:rPr lang="en-GB" dirty="0">
-                <a:latin typeface="Courier New" panose="02070309020205020404" pitchFamily="49" charset="0"/>
-              </a:rPr>
-              <a:t>yield</a:t>
-            </a:r>
-            <a:r>
-              <a:rPr lang="en-GB" dirty="0"/>
-              <a:t>  statement</a:t>
-            </a:r>
-          </a:p>
-          <a:p>
-            <a:pPr lvl="1"/>
-            <a:endParaRPr lang="en-GB" dirty="0"/>
-          </a:p>
-          <a:p>
-            <a:pPr lvl="2"/>
-            <a:endParaRPr lang="en-GB" dirty="0"/>
-          </a:p>
-          <a:p>
-            <a:pPr marL="914400" lvl="2" indent="0">
-              <a:buNone/>
-            </a:pPr>
-            <a:endParaRPr lang="en-GB" dirty="0"/>
-          </a:p>
-          <a:p>
-            <a:pPr marL="914400" lvl="2" indent="0">
-              <a:buNone/>
-            </a:pPr>
-            <a:endParaRPr lang="en-GB" dirty="0"/>
-          </a:p>
-          <a:p>
-            <a:pPr marL="914400" lvl="2" indent="0">
-              <a:buNone/>
-            </a:pPr>
-            <a:endParaRPr lang="en-GB" dirty="0"/>
-          </a:p>
-          <a:p>
-            <a:pPr lvl="1">
-              <a:buFont typeface="Arial" panose="020B0604020202020204" pitchFamily="34" charset="0"/>
-              <a:buChar char="•"/>
-            </a:pPr>
-            <a:r>
-              <a:rPr lang="en-GB" dirty="0"/>
+              <a:rPr lang="en-GB" sz="1800" dirty="0"/>
               <a:t>Generators can often replace list comprehensions</a:t>
             </a:r>
           </a:p>
@@ -39805,7 +39896,7 @@
               <a:buChar char="•"/>
             </a:pPr>
             <a:r>
-              <a:rPr lang="en-GB" dirty="0"/>
+              <a:rPr lang="en-GB" sz="1800" dirty="0"/>
               <a:t>Can be used anywhere an iterator is expected</a:t>
             </a:r>
           </a:p>
@@ -39821,7 +39912,7 @@
         </p:nvSpPr>
         <p:spPr bwMode="auto">
           <a:xfrm>
-            <a:off x="1404994" y="1944028"/>
+            <a:off x="693794" y="1813754"/>
             <a:ext cx="5978525" cy="1474788"/>
           </a:xfrm>
           <a:prstGeom prst="rect">
@@ -39841,6 +39932,13 @@
             <a:headEnd/>
             <a:tailEnd/>
           </a:ln>
+          <a:effectLst>
+            <a:outerShdw blurRad="50800" dist="38100" dir="2700000" algn="tl" rotWithShape="0">
+              <a:prstClr val="black">
+                <a:alpha val="40000"/>
+              </a:prstClr>
+            </a:outerShdw>
+          </a:effectLst>
         </p:spPr>
         <p:txBody>
           <a:bodyPr>
@@ -40087,7 +40185,7 @@
         </p:nvSpPr>
         <p:spPr bwMode="auto">
           <a:xfrm>
-            <a:off x="1075056" y="4930028"/>
+            <a:off x="693794" y="4574770"/>
             <a:ext cx="5951538" cy="650875"/>
           </a:xfrm>
           <a:prstGeom prst="rect">
@@ -40107,6 +40205,13 @@
             <a:headEnd/>
             <a:tailEnd/>
           </a:ln>
+          <a:effectLst>
+            <a:outerShdw blurRad="50800" dist="38100" dir="2700000" algn="tl" rotWithShape="0">
+              <a:prstClr val="black">
+                <a:alpha val="40000"/>
+              </a:prstClr>
+            </a:outerShdw>
+          </a:effectLst>
         </p:spPr>
         <p:txBody>
           <a:bodyPr>
@@ -40284,7 +40389,7 @@
         </p:nvSpPr>
         <p:spPr bwMode="auto">
           <a:xfrm>
-            <a:off x="1073469" y="6027598"/>
+            <a:off x="692207" y="5729191"/>
             <a:ext cx="5953125" cy="376238"/>
           </a:xfrm>
           <a:prstGeom prst="rect">
@@ -40304,9 +40409,16 @@
             <a:headEnd/>
             <a:tailEnd/>
           </a:ln>
+          <a:effectLst>
+            <a:outerShdw blurRad="50800" dist="38100" dir="2700000" algn="tl" rotWithShape="0">
+              <a:prstClr val="black">
+                <a:alpha val="40000"/>
+              </a:prstClr>
+            </a:outerShdw>
+          </a:effectLst>
         </p:spPr>
         <p:txBody>
-          <a:bodyPr>
+          <a:bodyPr wrap="square">
             <a:spAutoFit/>
           </a:bodyPr>
           <a:lstStyle>
@@ -40437,7 +40549,13 @@
       </p:sp>
       <p:sp>
         <p:nvSpPr>
-          <p:cNvPr id="9223" name="Text Box 7"/>
+          <p:cNvPr id="2" name="Text Box 7">
+            <a:extLst>
+              <a:ext uri="{FF2B5EF4-FFF2-40B4-BE49-F238E27FC236}">
+                <a16:creationId xmlns:a16="http://schemas.microsoft.com/office/drawing/2014/main" id="{65D986B3-A46F-791A-D17C-E1F7BA6B1079}"/>
+              </a:ext>
+            </a:extLst>
+          </p:cNvPr>
           <p:cNvSpPr txBox="1">
             <a:spLocks noChangeArrowheads="1"/>
           </p:cNvSpPr>
@@ -40445,38 +40563,33 @@
         </p:nvSpPr>
         <p:spPr bwMode="auto">
           <a:xfrm>
-            <a:off x="5984241" y="5633574"/>
-            <a:ext cx="2573338" cy="336550"/>
+            <a:off x="6888943" y="4900207"/>
+            <a:ext cx="2375971" cy="338554"/>
           </a:xfrm>
           <a:prstGeom prst="rect">
             <a:avLst/>
           </a:prstGeom>
-          <a:noFill/>
-          <a:ln>
-            <a:noFill/>
+          <a:solidFill>
+            <a:schemeClr val="bg1"/>
+          </a:solidFill>
+          <a:ln w="9525">
+            <a:solidFill>
+              <a:schemeClr val="tx1"/>
+            </a:solidFill>
+            <a:miter lim="800000"/>
+            <a:headEnd/>
+            <a:tailEnd/>
           </a:ln>
-          <a:extLst>
-            <a:ext uri="{909E8E84-426E-40dd-AFC4-6F175D3DCCD1}">
-              <a14:hiddenFill xmlns:a14="http://schemas.microsoft.com/office/drawing/2010/main" xmlns="">
-                <a:solidFill>
-                  <a:srgbClr val="FFFFFF"/>
-                </a:solidFill>
-              </a14:hiddenFill>
-            </a:ext>
-            <a:ext uri="{91240B29-F687-4f45-9708-019B960494DF}">
-              <a14:hiddenLine xmlns:a14="http://schemas.microsoft.com/office/drawing/2010/main" xmlns="" w="9525">
-                <a:solidFill>
-                  <a:srgbClr val="000000"/>
-                </a:solidFill>
-                <a:miter lim="800000"/>
-                <a:headEnd/>
-                <a:tailEnd/>
-              </a14:hiddenLine>
-            </a:ext>
-          </a:extLst>
+          <a:effectLst>
+            <a:outerShdw blurRad="50800" dist="38100" dir="2700000" algn="tl" rotWithShape="0">
+              <a:prstClr val="black">
+                <a:alpha val="40000"/>
+              </a:prstClr>
+            </a:outerShdw>
+          </a:effectLst>
         </p:spPr>
         <p:txBody>
-          <a:bodyPr wrap="none">
+          <a:bodyPr wrap="none" lIns="91440" tIns="45720" rIns="91440" bIns="45720" anchor="t">
             <a:spAutoFit/>
           </a:bodyPr>
           <a:lstStyle>
@@ -40579,7 +40692,7 @@
           </a:lstStyle>
           <a:p>
             <a:r>
-              <a:rPr lang="en-GB" sz="1600" b="1" i="1"/>
+              <a:rPr lang="en-GB" sz="1600" i="1" dirty="0"/>
               <a:t>Print a list of directories </a:t>
             </a:r>
           </a:p>
@@ -40587,7 +40700,60 @@
       </p:sp>
       <p:sp>
         <p:nvSpPr>
-          <p:cNvPr id="9224" name="Text Box 8"/>
+          <p:cNvPr id="3" name="Line 8">
+            <a:extLst>
+              <a:ext uri="{FF2B5EF4-FFF2-40B4-BE49-F238E27FC236}">
+                <a16:creationId xmlns:a16="http://schemas.microsoft.com/office/drawing/2014/main" id="{51EF57E6-FA9A-37F9-1E8E-495FA8A8DE46}"/>
+              </a:ext>
+            </a:extLst>
+          </p:cNvPr>
+          <p:cNvSpPr>
+            <a:spLocks noChangeShapeType="1"/>
+          </p:cNvSpPr>
+          <p:nvPr/>
+        </p:nvSpPr>
+        <p:spPr bwMode="auto">
+          <a:xfrm flipH="1">
+            <a:off x="5092633" y="5054218"/>
+            <a:ext cx="1796309" cy="0"/>
+          </a:xfrm>
+          <a:prstGeom prst="line">
+            <a:avLst/>
+          </a:prstGeom>
+          <a:solidFill>
+            <a:schemeClr val="tx2">
+              <a:lumMod val="20000"/>
+              <a:lumOff val="80000"/>
+            </a:schemeClr>
+          </a:solidFill>
+          <a:ln w="9525">
+            <a:solidFill>
+              <a:schemeClr val="tx1"/>
+            </a:solidFill>
+            <a:round/>
+            <a:headEnd/>
+            <a:tailEnd type="triangle" w="med" len="med"/>
+          </a:ln>
+        </p:spPr>
+        <p:txBody>
+          <a:bodyPr wrap="square">
+            <a:spAutoFit/>
+          </a:bodyPr>
+          <a:lstStyle/>
+          <a:p>
+            <a:endParaRPr lang="en-GB" u="sng"/>
+          </a:p>
+        </p:txBody>
+      </p:sp>
+      <p:sp>
+        <p:nvSpPr>
+          <p:cNvPr id="4" name="Text Box 7">
+            <a:extLst>
+              <a:ext uri="{FF2B5EF4-FFF2-40B4-BE49-F238E27FC236}">
+                <a16:creationId xmlns:a16="http://schemas.microsoft.com/office/drawing/2014/main" id="{8925FDDA-0CE6-C2D2-8C34-CB6EAEDDCBDE}"/>
+              </a:ext>
+            </a:extLst>
+          </p:cNvPr>
           <p:cNvSpPr txBox="1">
             <a:spLocks noChangeArrowheads="1"/>
           </p:cNvSpPr>
@@ -40595,38 +40761,33 @@
         </p:nvSpPr>
         <p:spPr bwMode="auto">
           <a:xfrm>
-            <a:off x="5984241" y="6437006"/>
-            <a:ext cx="2449513" cy="336550"/>
+            <a:off x="6888942" y="5789113"/>
+            <a:ext cx="2286203" cy="338554"/>
           </a:xfrm>
           <a:prstGeom prst="rect">
             <a:avLst/>
           </a:prstGeom>
-          <a:noFill/>
-          <a:ln>
-            <a:noFill/>
+          <a:solidFill>
+            <a:schemeClr val="bg1"/>
+          </a:solidFill>
+          <a:ln w="9525">
+            <a:solidFill>
+              <a:schemeClr val="tx1"/>
+            </a:solidFill>
+            <a:miter lim="800000"/>
+            <a:headEnd/>
+            <a:tailEnd/>
           </a:ln>
-          <a:extLst>
-            <a:ext uri="{909E8E84-426E-40dd-AFC4-6F175D3DCCD1}">
-              <a14:hiddenFill xmlns:a14="http://schemas.microsoft.com/office/drawing/2010/main" xmlns="">
-                <a:solidFill>
-                  <a:srgbClr val="FFFFFF"/>
-                </a:solidFill>
-              </a14:hiddenFill>
-            </a:ext>
-            <a:ext uri="{91240B29-F687-4f45-9708-019B960494DF}">
-              <a14:hiddenLine xmlns:a14="http://schemas.microsoft.com/office/drawing/2010/main" xmlns="" w="9525">
-                <a:solidFill>
-                  <a:srgbClr val="000000"/>
-                </a:solidFill>
-                <a:miter lim="800000"/>
-                <a:headEnd/>
-                <a:tailEnd/>
-              </a14:hiddenLine>
-            </a:ext>
-          </a:extLst>
+          <a:effectLst>
+            <a:outerShdw blurRad="50800" dist="38100" dir="2700000" algn="tl" rotWithShape="0">
+              <a:prstClr val="black">
+                <a:alpha val="40000"/>
+              </a:prstClr>
+            </a:outerShdw>
+          </a:effectLst>
         </p:spPr>
         <p:txBody>
-          <a:bodyPr wrap="none">
+          <a:bodyPr wrap="none" lIns="91440" tIns="45720" rIns="91440" bIns="45720" anchor="t">
             <a:spAutoFit/>
           </a:bodyPr>
           <a:lstStyle>
@@ -40729,9 +40890,56 @@
           </a:lstStyle>
           <a:p>
             <a:r>
-              <a:rPr lang="en-GB" sz="1600" b="1" i="1" dirty="0"/>
+              <a:rPr lang="en-GB" sz="1600" i="1" dirty="0"/>
               <a:t>Get a list of directories </a:t>
             </a:r>
+          </a:p>
+        </p:txBody>
+      </p:sp>
+      <p:sp>
+        <p:nvSpPr>
+          <p:cNvPr id="5" name="Line 8">
+            <a:extLst>
+              <a:ext uri="{FF2B5EF4-FFF2-40B4-BE49-F238E27FC236}">
+                <a16:creationId xmlns:a16="http://schemas.microsoft.com/office/drawing/2014/main" id="{5E3D21FA-F9AD-01B1-FA5D-51EA3D999A93}"/>
+              </a:ext>
+            </a:extLst>
+          </p:cNvPr>
+          <p:cNvSpPr>
+            <a:spLocks noChangeShapeType="1"/>
+          </p:cNvSpPr>
+          <p:nvPr/>
+        </p:nvSpPr>
+        <p:spPr bwMode="auto">
+          <a:xfrm flipH="1">
+            <a:off x="5707877" y="5943124"/>
+            <a:ext cx="1181066" cy="0"/>
+          </a:xfrm>
+          <a:prstGeom prst="line">
+            <a:avLst/>
+          </a:prstGeom>
+          <a:solidFill>
+            <a:schemeClr val="tx2">
+              <a:lumMod val="20000"/>
+              <a:lumOff val="80000"/>
+            </a:schemeClr>
+          </a:solidFill>
+          <a:ln w="9525">
+            <a:solidFill>
+              <a:schemeClr val="tx1"/>
+            </a:solidFill>
+            <a:round/>
+            <a:headEnd/>
+            <a:tailEnd type="triangle" w="med" len="med"/>
+          </a:ln>
+        </p:spPr>
+        <p:txBody>
+          <a:bodyPr wrap="square">
+            <a:spAutoFit/>
+          </a:bodyPr>
+          <a:lstStyle/>
+          <a:p>
+            <a:endParaRPr lang="en-GB" u="sng"/>
           </a:p>
         </p:txBody>
       </p:sp>
@@ -41562,18 +41770,10 @@
 </file>
 
 <file path=customXml/item2.xml><?xml version="1.0" encoding="utf-8"?>
-<?mso-contentType ?>
-<FormTemplates xmlns="http://schemas.microsoft.com/sharepoint/v3/contenttype/forms">
-  <Display>DocumentLibraryForm</Display>
-  <Edit>DocumentLibraryForm</Edit>
-  <New>DocumentLibraryForm</New>
-</FormTemplates>
-</file>
-
-<file path=customXml/item3.xml><?xml version="1.0" encoding="utf-8"?>
-<ct:contentTypeSchema xmlns:ct="http://schemas.microsoft.com/office/2006/metadata/contentType" xmlns:ma="http://schemas.microsoft.com/office/2006/metadata/properties/metaAttributes" ct:_="" ma:_="" ma:contentTypeName="Document" ma:contentTypeID="0x01010047C9319921AB5D48A79C1CDD69F0ADEE" ma:contentTypeVersion="3" ma:contentTypeDescription="Create a new document." ma:contentTypeScope="" ma:versionID="3811da7f776029654eee27a03d178620">
-  <xsd:schema xmlns:xsd="http://www.w3.org/2001/XMLSchema" xmlns:xs="http://www.w3.org/2001/XMLSchema" xmlns:p="http://schemas.microsoft.com/office/2006/metadata/properties" xmlns:ns2="321e98e5-056b-4fbc-983d-5776ac277f1c" targetNamespace="http://schemas.microsoft.com/office/2006/metadata/properties" ma:root="true" ma:fieldsID="a8d54852964f38499b947f151e317ae7" ns2:_="">
+<ct:contentTypeSchema xmlns:ct="http://schemas.microsoft.com/office/2006/metadata/contentType" xmlns:ma="http://schemas.microsoft.com/office/2006/metadata/properties/metaAttributes" ct:_="" ma:_="" ma:contentTypeName="Document" ma:contentTypeID="0x01010047C9319921AB5D48A79C1CDD69F0ADEE" ma:contentTypeVersion="5" ma:contentTypeDescription="Create a new document." ma:contentTypeScope="" ma:versionID="1c86e08ee19a558daabb270f47811a89">
+  <xsd:schema xmlns:xsd="http://www.w3.org/2001/XMLSchema" xmlns:xs="http://www.w3.org/2001/XMLSchema" xmlns:p="http://schemas.microsoft.com/office/2006/metadata/properties" xmlns:ns2="321e98e5-056b-4fbc-983d-5776ac277f1c" xmlns:ns3="8706a4e6-e72b-4885-96ed-b92b99fed295" targetNamespace="http://schemas.microsoft.com/office/2006/metadata/properties" ma:root="true" ma:fieldsID="451e2ea32cc94e31a40865bb33ac54ea" ns2:_="" ns3:_="">
     <xsd:import namespace="321e98e5-056b-4fbc-983d-5776ac277f1c"/>
+    <xsd:import namespace="8706a4e6-e72b-4885-96ed-b92b99fed295"/>
     <xsd:element name="properties">
       <xsd:complexType>
         <xsd:sequence>
@@ -41583,6 +41783,8 @@
                 <xsd:element ref="ns2:MediaServiceMetadata" minOccurs="0"/>
                 <xsd:element ref="ns2:MediaServiceFastMetadata" minOccurs="0"/>
                 <xsd:element ref="ns2:MediaServiceObjectDetectorVersions" minOccurs="0"/>
+                <xsd:element ref="ns3:SharedWithUsers" minOccurs="0"/>
+                <xsd:element ref="ns3:SharedWithDetails" minOccurs="0"/>
               </xsd:all>
             </xsd:complexType>
           </xsd:element>
@@ -41606,6 +41808,36 @@
     <xsd:element name="MediaServiceObjectDetectorVersions" ma:index="10" nillable="true" ma:displayName="MediaServiceObjectDetectorVersions" ma:hidden="true" ma:indexed="true" ma:internalName="MediaServiceObjectDetectorVersions" ma:readOnly="true">
       <xsd:simpleType>
         <xsd:restriction base="dms:Text"/>
+      </xsd:simpleType>
+    </xsd:element>
+  </xsd:schema>
+  <xsd:schema xmlns:xsd="http://www.w3.org/2001/XMLSchema" xmlns:xs="http://www.w3.org/2001/XMLSchema" xmlns:dms="http://schemas.microsoft.com/office/2006/documentManagement/types" xmlns:pc="http://schemas.microsoft.com/office/infopath/2007/PartnerControls" targetNamespace="8706a4e6-e72b-4885-96ed-b92b99fed295" elementFormDefault="qualified">
+    <xsd:import namespace="http://schemas.microsoft.com/office/2006/documentManagement/types"/>
+    <xsd:import namespace="http://schemas.microsoft.com/office/infopath/2007/PartnerControls"/>
+    <xsd:element name="SharedWithUsers" ma:index="11" nillable="true" ma:displayName="Shared With" ma:internalName="SharedWithUsers" ma:readOnly="true">
+      <xsd:complexType>
+        <xsd:complexContent>
+          <xsd:extension base="dms:UserMulti">
+            <xsd:sequence>
+              <xsd:element name="UserInfo" minOccurs="0" maxOccurs="unbounded">
+                <xsd:complexType>
+                  <xsd:sequence>
+                    <xsd:element name="DisplayName" type="xsd:string" minOccurs="0"/>
+                    <xsd:element name="AccountId" type="dms:UserId" minOccurs="0" nillable="true"/>
+                    <xsd:element name="AccountType" type="xsd:string" minOccurs="0"/>
+                  </xsd:sequence>
+                </xsd:complexType>
+              </xsd:element>
+            </xsd:sequence>
+          </xsd:extension>
+        </xsd:complexContent>
+      </xsd:complexType>
+    </xsd:element>
+    <xsd:element name="SharedWithDetails" ma:index="12" nillable="true" ma:displayName="Shared With Details" ma:internalName="SharedWithDetails" ma:readOnly="true">
+      <xsd:simpleType>
+        <xsd:restriction base="dms:Note">
+          <xsd:maxLength value="255"/>
+        </xsd:restriction>
       </xsd:simpleType>
     </xsd:element>
   </xsd:schema>
@@ -41708,6 +41940,15 @@
 </ct:contentTypeSchema>
 </file>
 
+<file path=customXml/item3.xml><?xml version="1.0" encoding="utf-8"?>
+<?mso-contentType ?>
+<FormTemplates xmlns="http://schemas.microsoft.com/sharepoint/v3/contenttype/forms">
+  <Display>DocumentLibraryForm</Display>
+  <Edit>DocumentLibraryForm</Edit>
+  <New>DocumentLibraryForm</New>
+</FormTemplates>
+</file>
+
 <file path=customXml/itemProps1.xml><?xml version="1.0" encoding="utf-8"?>
 <ds:datastoreItem xmlns:ds="http://schemas.openxmlformats.org/officeDocument/2006/customXml" ds:itemID="{CE72976B-11A7-41EE-9EEF-C6B93638B619}">
   <ds:schemaRefs>
@@ -41718,13 +41959,28 @@
 </file>
 
 <file path=customXml/itemProps2.xml><?xml version="1.0" encoding="utf-8"?>
+<ds:datastoreItem xmlns:ds="http://schemas.openxmlformats.org/officeDocument/2006/customXml" ds:itemID="{74EFD91E-21EF-4805-B827-EB195E109A97}">
+  <ds:schemaRefs>
+    <ds:schemaRef ds:uri="http://schemas.microsoft.com/office/2006/metadata/contentType"/>
+    <ds:schemaRef ds:uri="http://schemas.microsoft.com/office/2006/metadata/properties/metaAttributes"/>
+    <ds:schemaRef ds:uri="http://www.w3.org/2001/XMLSchema"/>
+    <ds:schemaRef ds:uri="http://schemas.microsoft.com/office/2006/metadata/properties"/>
+    <ds:schemaRef ds:uri="321e98e5-056b-4fbc-983d-5776ac277f1c"/>
+    <ds:schemaRef ds:uri="8706a4e6-e72b-4885-96ed-b92b99fed295"/>
+    <ds:schemaRef ds:uri="http://schemas.microsoft.com/office/2006/documentManagement/types"/>
+    <ds:schemaRef ds:uri="http://schemas.microsoft.com/office/infopath/2007/PartnerControls"/>
+    <ds:schemaRef ds:uri="http://schemas.openxmlformats.org/package/2006/metadata/core-properties"/>
+    <ds:schemaRef ds:uri="http://purl.org/dc/elements/1.1/"/>
+    <ds:schemaRef ds:uri="http://purl.org/dc/terms/"/>
+    <ds:schemaRef ds:uri="http://schemas.microsoft.com/internal/obd"/>
+  </ds:schemaRefs>
+</ds:datastoreItem>
+</file>
+
+<file path=customXml/itemProps3.xml><?xml version="1.0" encoding="utf-8"?>
 <ds:datastoreItem xmlns:ds="http://schemas.openxmlformats.org/officeDocument/2006/customXml" ds:itemID="{33FFAF07-F5D0-4B80-BC13-58EC9E202DF0}">
   <ds:schemaRefs>
     <ds:schemaRef ds:uri="http://schemas.microsoft.com/sharepoint/v3/contenttype/forms"/>
   </ds:schemaRefs>
 </ds:datastoreItem>
-</file>
-
-<file path=customXml/itemProps3.xml><?xml version="1.0" encoding="utf-8"?>
-<ds:datastoreItem xmlns:ds="http://schemas.openxmlformats.org/officeDocument/2006/customXml" ds:itemID="{EF4ECE71-B889-4B48-980E-8BAC919F06CC}"/>
 </file>